--- a/Team4_EDA_Presentation_Celia-Ryan-Akib.pptx
+++ b/Team4_EDA_Presentation_Celia-Ryan-Akib.pptx
@@ -5954,7 +5954,21 @@
                 <a:latin typeface="Adobe Devanagari" panose="02040503050201020203" pitchFamily="18" charset="0"/>
                 <a:cs typeface="Adobe Devanagari" panose="02040503050201020203" pitchFamily="18" charset="0"/>
               </a:rPr>
-              <a:t>Only data that required the comparison of ABV to IBU had observations with the value of &lt;NA&gt; for those values were dropped </a:t>
+              <a:t>Only data that required the comparison of ABV to IBU had observations with the value of &lt;</a:t>
+            </a:r>
+            <a:r>
+              <a:rPr lang="en-US" sz="2600">
+                <a:latin typeface="Adobe Devanagari" panose="02040503050201020203" pitchFamily="18" charset="0"/>
+                <a:cs typeface="Adobe Devanagari" panose="02040503050201020203" pitchFamily="18" charset="0"/>
+              </a:rPr>
+              <a:t>NA&gt; </a:t>
+            </a:r>
+            <a:r>
+              <a:rPr lang="en-US" sz="2600" dirty="0">
+                <a:latin typeface="Adobe Devanagari" panose="02040503050201020203" pitchFamily="18" charset="0"/>
+                <a:cs typeface="Adobe Devanagari" panose="02040503050201020203" pitchFamily="18" charset="0"/>
+              </a:rPr>
+              <a:t>were dropped </a:t>
             </a:r>
           </a:p>
           <a:p>

--- a/Team4_EDA_Presentation_Celia-Ryan-Akib.pptx
+++ b/Team4_EDA_Presentation_Celia-Ryan-Akib.pptx
@@ -15,6 +15,12 @@
     <p:sldId id="262" r:id="rId9"/>
     <p:sldId id="265" r:id="rId10"/>
     <p:sldId id="263" r:id="rId11"/>
+    <p:sldId id="266" r:id="rId12"/>
+    <p:sldId id="268" r:id="rId13"/>
+    <p:sldId id="269" r:id="rId14"/>
+    <p:sldId id="270" r:id="rId15"/>
+    <p:sldId id="271" r:id="rId16"/>
+    <p:sldId id="273" r:id="rId17"/>
   </p:sldIdLst>
   <p:sldSz cx="12192000" cy="6858000"/>
   <p:notesSz cx="6858000" cy="9144000"/>
@@ -129,500 +135,6 @@
 </p1510:revInfo>
 </file>
 
-<file path=ppt/changesInfos/changesInfo1.xml><?xml version="1.0" encoding="utf-8"?>
-<pc:chgInfo xmlns:a="http://schemas.openxmlformats.org/drawingml/2006/main" xmlns:r="http://schemas.openxmlformats.org/officeDocument/2006/relationships" xmlns:ac="http://schemas.microsoft.com/office/drawing/2013/main/command" xmlns:pc="http://schemas.microsoft.com/office/powerpoint/2013/main/command">
-  <pc:docChgLst>
-    <pc:chgData name="Celia Banks" userId="9293182f3fb426e6" providerId="LiveId" clId="{ECD1C60B-A4EF-447F-B961-491383EE1F21}"/>
-    <pc:docChg chg="undo custSel addSld delSld modSld sldOrd">
-      <pc:chgData name="Celia Banks" userId="9293182f3fb426e6" providerId="LiveId" clId="{ECD1C60B-A4EF-447F-B961-491383EE1F21}" dt="2021-10-11T13:51:02.756" v="284" actId="6549"/>
-      <pc:docMkLst>
-        <pc:docMk/>
-      </pc:docMkLst>
-      <pc:sldChg chg="addSp delSp modSp mod">
-        <pc:chgData name="Celia Banks" userId="9293182f3fb426e6" providerId="LiveId" clId="{ECD1C60B-A4EF-447F-B961-491383EE1F21}" dt="2021-10-11T13:47:40.532" v="215" actId="1076"/>
-        <pc:sldMkLst>
-          <pc:docMk/>
-          <pc:sldMk cId="3270879390" sldId="256"/>
-        </pc:sldMkLst>
-        <pc:spChg chg="mod">
-          <ac:chgData name="Celia Banks" userId="9293182f3fb426e6" providerId="LiveId" clId="{ECD1C60B-A4EF-447F-B961-491383EE1F21}" dt="2021-10-11T13:43:30.429" v="191" actId="26606"/>
-          <ac:spMkLst>
-            <pc:docMk/>
-            <pc:sldMk cId="3270879390" sldId="256"/>
-            <ac:spMk id="2" creationId="{F3294CE1-6C2E-4F8E-9A87-2227F43EC201}"/>
-          </ac:spMkLst>
-        </pc:spChg>
-        <pc:spChg chg="mod">
-          <ac:chgData name="Celia Banks" userId="9293182f3fb426e6" providerId="LiveId" clId="{ECD1C60B-A4EF-447F-B961-491383EE1F21}" dt="2021-10-11T13:43:43.908" v="193" actId="121"/>
-          <ac:spMkLst>
-            <pc:docMk/>
-            <pc:sldMk cId="3270879390" sldId="256"/>
-            <ac:spMk id="3" creationId="{3F05B10C-1DE7-4CEB-8088-76B710522093}"/>
-          </ac:spMkLst>
-        </pc:spChg>
-        <pc:spChg chg="add mod">
-          <ac:chgData name="Celia Banks" userId="9293182f3fb426e6" providerId="LiveId" clId="{ECD1C60B-A4EF-447F-B961-491383EE1F21}" dt="2021-10-11T13:47:40.532" v="215" actId="1076"/>
-          <ac:spMkLst>
-            <pc:docMk/>
-            <pc:sldMk cId="3270879390" sldId="256"/>
-            <ac:spMk id="5" creationId="{A49A28DC-7CF3-460C-9080-D19D2C5622DC}"/>
-          </ac:spMkLst>
-        </pc:spChg>
-        <pc:spChg chg="add del">
-          <ac:chgData name="Celia Banks" userId="9293182f3fb426e6" providerId="LiveId" clId="{ECD1C60B-A4EF-447F-B961-491383EE1F21}" dt="2021-10-11T13:43:17.614" v="189" actId="26606"/>
-          <ac:spMkLst>
-            <pc:docMk/>
-            <pc:sldMk cId="3270879390" sldId="256"/>
-            <ac:spMk id="8" creationId="{C66F2F30-5DC0-44A0-BFA6-E12F46ED16DA}"/>
-          </ac:spMkLst>
-        </pc:spChg>
-        <pc:spChg chg="add del">
-          <ac:chgData name="Celia Banks" userId="9293182f3fb426e6" providerId="LiveId" clId="{ECD1C60B-A4EF-447F-B961-491383EE1F21}" dt="2021-10-11T13:43:17.614" v="189" actId="26606"/>
-          <ac:spMkLst>
-            <pc:docMk/>
-            <pc:sldMk cId="3270879390" sldId="256"/>
-            <ac:spMk id="10" creationId="{85872F57-7F42-4F97-8391-DDC8D0054C03}"/>
-          </ac:spMkLst>
-        </pc:spChg>
-        <pc:spChg chg="add del">
-          <ac:chgData name="Celia Banks" userId="9293182f3fb426e6" providerId="LiveId" clId="{ECD1C60B-A4EF-447F-B961-491383EE1F21}" dt="2021-10-11T13:43:17.614" v="189" actId="26606"/>
-          <ac:spMkLst>
-            <pc:docMk/>
-            <pc:sldMk cId="3270879390" sldId="256"/>
-            <ac:spMk id="12" creationId="{04DC2037-48A0-4F22-B9D4-8EAEBC780AB4}"/>
-          </ac:spMkLst>
-        </pc:spChg>
-        <pc:spChg chg="add del">
-          <ac:chgData name="Celia Banks" userId="9293182f3fb426e6" providerId="LiveId" clId="{ECD1C60B-A4EF-447F-B961-491383EE1F21}" dt="2021-10-11T13:43:17.614" v="189" actId="26606"/>
-          <ac:spMkLst>
-            <pc:docMk/>
-            <pc:sldMk cId="3270879390" sldId="256"/>
-            <ac:spMk id="14" creationId="{0006CBFD-ADA0-43D1-9332-9C34CA1C76ED}"/>
-          </ac:spMkLst>
-        </pc:spChg>
-        <pc:spChg chg="add del">
-          <ac:chgData name="Celia Banks" userId="9293182f3fb426e6" providerId="LiveId" clId="{ECD1C60B-A4EF-447F-B961-491383EE1F21}" dt="2021-10-11T13:43:17.614" v="189" actId="26606"/>
-          <ac:spMkLst>
-            <pc:docMk/>
-            <pc:sldMk cId="3270879390" sldId="256"/>
-            <ac:spMk id="16" creationId="{2B931666-F28F-45F3-A074-66D2272D580B}"/>
-          </ac:spMkLst>
-        </pc:spChg>
-        <pc:spChg chg="add del">
-          <ac:chgData name="Celia Banks" userId="9293182f3fb426e6" providerId="LiveId" clId="{ECD1C60B-A4EF-447F-B961-491383EE1F21}" dt="2021-10-11T13:43:30.429" v="191" actId="26606"/>
-          <ac:spMkLst>
-            <pc:docMk/>
-            <pc:sldMk cId="3270879390" sldId="256"/>
-            <ac:spMk id="18" creationId="{F6EF57EF-D042-41D3-83E8-41A1FE6C11EB}"/>
-          </ac:spMkLst>
-        </pc:spChg>
-        <pc:spChg chg="add del">
-          <ac:chgData name="Celia Banks" userId="9293182f3fb426e6" providerId="LiveId" clId="{ECD1C60B-A4EF-447F-B961-491383EE1F21}" dt="2021-10-11T13:43:30.429" v="191" actId="26606"/>
-          <ac:spMkLst>
-            <pc:docMk/>
-            <pc:sldMk cId="3270879390" sldId="256"/>
-            <ac:spMk id="19" creationId="{D00A59BB-A268-4F3E-9D41-CA265AF16870}"/>
-          </ac:spMkLst>
-        </pc:spChg>
-        <pc:spChg chg="add del">
-          <ac:chgData name="Celia Banks" userId="9293182f3fb426e6" providerId="LiveId" clId="{ECD1C60B-A4EF-447F-B961-491383EE1F21}" dt="2021-10-11T13:43:30.429" v="191" actId="26606"/>
-          <ac:spMkLst>
-            <pc:docMk/>
-            <pc:sldMk cId="3270879390" sldId="256"/>
-            <ac:spMk id="20" creationId="{63794DCE-9D34-40DF-AB3F-06DA8ACCDA97}"/>
-          </ac:spMkLst>
-        </pc:spChg>
-        <pc:spChg chg="add del">
-          <ac:chgData name="Celia Banks" userId="9293182f3fb426e6" providerId="LiveId" clId="{ECD1C60B-A4EF-447F-B961-491383EE1F21}" dt="2021-10-11T13:42:45.865" v="186" actId="26606"/>
-          <ac:spMkLst>
-            <pc:docMk/>
-            <pc:sldMk cId="3270879390" sldId="256"/>
-            <ac:spMk id="21" creationId="{E91DC736-0EF8-4F87-9146-EBF1D2EE4D3D}"/>
-          </ac:spMkLst>
-        </pc:spChg>
-        <pc:spChg chg="add del">
-          <ac:chgData name="Celia Banks" userId="9293182f3fb426e6" providerId="LiveId" clId="{ECD1C60B-A4EF-447F-B961-491383EE1F21}" dt="2021-10-11T13:43:30.429" v="191" actId="26606"/>
-          <ac:spMkLst>
-            <pc:docMk/>
-            <pc:sldMk cId="3270879390" sldId="256"/>
-            <ac:spMk id="22" creationId="{45006452-918C-4282-A72C-C9692B669104}"/>
-          </ac:spMkLst>
-        </pc:spChg>
-        <pc:spChg chg="add del">
-          <ac:chgData name="Celia Banks" userId="9293182f3fb426e6" providerId="LiveId" clId="{ECD1C60B-A4EF-447F-B961-491383EE1F21}" dt="2021-10-11T13:42:45.865" v="186" actId="26606"/>
-          <ac:spMkLst>
-            <pc:docMk/>
-            <pc:sldMk cId="3270879390" sldId="256"/>
-            <ac:spMk id="23" creationId="{097CD68E-23E3-4007-8847-CD0944C4F7BE}"/>
-          </ac:spMkLst>
-        </pc:spChg>
-        <pc:spChg chg="add">
-          <ac:chgData name="Celia Banks" userId="9293182f3fb426e6" providerId="LiveId" clId="{ECD1C60B-A4EF-447F-B961-491383EE1F21}" dt="2021-10-11T13:43:30.429" v="191" actId="26606"/>
-          <ac:spMkLst>
-            <pc:docMk/>
-            <pc:sldMk cId="3270879390" sldId="256"/>
-            <ac:spMk id="24" creationId="{E91DC736-0EF8-4F87-9146-EBF1D2EE4D3D}"/>
-          </ac:spMkLst>
-        </pc:spChg>
-        <pc:spChg chg="add del">
-          <ac:chgData name="Celia Banks" userId="9293182f3fb426e6" providerId="LiveId" clId="{ECD1C60B-A4EF-447F-B961-491383EE1F21}" dt="2021-10-11T13:42:45.865" v="186" actId="26606"/>
-          <ac:spMkLst>
-            <pc:docMk/>
-            <pc:sldMk cId="3270879390" sldId="256"/>
-            <ac:spMk id="25" creationId="{AF2F604E-43BE-4DC3-B983-E071523364F8}"/>
-          </ac:spMkLst>
-        </pc:spChg>
-        <pc:spChg chg="add">
-          <ac:chgData name="Celia Banks" userId="9293182f3fb426e6" providerId="LiveId" clId="{ECD1C60B-A4EF-447F-B961-491383EE1F21}" dt="2021-10-11T13:43:30.429" v="191" actId="26606"/>
-          <ac:spMkLst>
-            <pc:docMk/>
-            <pc:sldMk cId="3270879390" sldId="256"/>
-            <ac:spMk id="26" creationId="{097CD68E-23E3-4007-8847-CD0944C4F7BE}"/>
-          </ac:spMkLst>
-        </pc:spChg>
-        <pc:spChg chg="add del">
-          <ac:chgData name="Celia Banks" userId="9293182f3fb426e6" providerId="LiveId" clId="{ECD1C60B-A4EF-447F-B961-491383EE1F21}" dt="2021-10-11T13:42:45.865" v="186" actId="26606"/>
-          <ac:spMkLst>
-            <pc:docMk/>
-            <pc:sldMk cId="3270879390" sldId="256"/>
-            <ac:spMk id="27" creationId="{08C9B587-E65E-4B52-B37C-ABEBB6E87928}"/>
-          </ac:spMkLst>
-        </pc:spChg>
-        <pc:spChg chg="add del">
-          <ac:chgData name="Celia Banks" userId="9293182f3fb426e6" providerId="LiveId" clId="{ECD1C60B-A4EF-447F-B961-491383EE1F21}" dt="2021-10-11T13:42:57.176" v="188" actId="26606"/>
-          <ac:spMkLst>
-            <pc:docMk/>
-            <pc:sldMk cId="3270879390" sldId="256"/>
-            <ac:spMk id="28" creationId="{B81933D1-5615-42C7-9C0B-4EB7105CCE2D}"/>
-          </ac:spMkLst>
-        </pc:spChg>
-        <pc:spChg chg="add del">
-          <ac:chgData name="Celia Banks" userId="9293182f3fb426e6" providerId="LiveId" clId="{ECD1C60B-A4EF-447F-B961-491383EE1F21}" dt="2021-10-11T13:42:57.176" v="188" actId="26606"/>
-          <ac:spMkLst>
-            <pc:docMk/>
-            <pc:sldMk cId="3270879390" sldId="256"/>
-            <ac:spMk id="29" creationId="{20D5D19D-0789-4518-B5DC-D47ADF69D25A}"/>
-          </ac:spMkLst>
-        </pc:spChg>
-        <pc:spChg chg="add del">
-          <ac:chgData name="Celia Banks" userId="9293182f3fb426e6" providerId="LiveId" clId="{ECD1C60B-A4EF-447F-B961-491383EE1F21}" dt="2021-10-11T13:42:57.176" v="188" actId="26606"/>
-          <ac:spMkLst>
-            <pc:docMk/>
-            <pc:sldMk cId="3270879390" sldId="256"/>
-            <ac:spMk id="30" creationId="{19C9EAEA-39D0-4B0E-A0EB-51E7B26740B1}"/>
-          </ac:spMkLst>
-        </pc:spChg>
-        <pc:spChg chg="add">
-          <ac:chgData name="Celia Banks" userId="9293182f3fb426e6" providerId="LiveId" clId="{ECD1C60B-A4EF-447F-B961-491383EE1F21}" dt="2021-10-11T13:43:30.429" v="191" actId="26606"/>
-          <ac:spMkLst>
-            <pc:docMk/>
-            <pc:sldMk cId="3270879390" sldId="256"/>
-            <ac:spMk id="32" creationId="{AF2F604E-43BE-4DC3-B983-E071523364F8}"/>
-          </ac:spMkLst>
-        </pc:spChg>
-        <pc:spChg chg="add">
-          <ac:chgData name="Celia Banks" userId="9293182f3fb426e6" providerId="LiveId" clId="{ECD1C60B-A4EF-447F-B961-491383EE1F21}" dt="2021-10-11T13:43:30.429" v="191" actId="26606"/>
-          <ac:spMkLst>
-            <pc:docMk/>
-            <pc:sldMk cId="3270879390" sldId="256"/>
-            <ac:spMk id="33" creationId="{08C9B587-E65E-4B52-B37C-ABEBB6E87928}"/>
-          </ac:spMkLst>
-        </pc:spChg>
-        <pc:grpChg chg="add del">
-          <ac:chgData name="Celia Banks" userId="9293182f3fb426e6" providerId="LiveId" clId="{ECD1C60B-A4EF-447F-B961-491383EE1F21}" dt="2021-10-11T13:42:57.176" v="188" actId="26606"/>
-          <ac:grpSpMkLst>
-            <pc:docMk/>
-            <pc:sldMk cId="3270879390" sldId="256"/>
-            <ac:grpSpMk id="31" creationId="{032D8612-31EB-44CF-A1D0-14FD4C705424}"/>
-          </ac:grpSpMkLst>
-        </pc:grpChg>
-        <pc:picChg chg="add mod ord">
-          <ac:chgData name="Celia Banks" userId="9293182f3fb426e6" providerId="LiveId" clId="{ECD1C60B-A4EF-447F-B961-491383EE1F21}" dt="2021-10-11T13:44:05.961" v="194" actId="14100"/>
-          <ac:picMkLst>
-            <pc:docMk/>
-            <pc:sldMk cId="3270879390" sldId="256"/>
-            <ac:picMk id="4" creationId="{5BF548DA-FD41-4F6F-BE7F-6F363407F7BE}"/>
-          </ac:picMkLst>
-        </pc:picChg>
-      </pc:sldChg>
-      <pc:sldChg chg="addSp delSp modSp mod ord">
-        <pc:chgData name="Celia Banks" userId="9293182f3fb426e6" providerId="LiveId" clId="{ECD1C60B-A4EF-447F-B961-491383EE1F21}" dt="2021-10-11T13:48:32.500" v="222" actId="20577"/>
-        <pc:sldMkLst>
-          <pc:docMk/>
-          <pc:sldMk cId="3550632521" sldId="259"/>
-        </pc:sldMkLst>
-        <pc:spChg chg="mod">
-          <ac:chgData name="Celia Banks" userId="9293182f3fb426e6" providerId="LiveId" clId="{ECD1C60B-A4EF-447F-B961-491383EE1F21}" dt="2021-10-11T13:48:32.500" v="222" actId="20577"/>
-          <ac:spMkLst>
-            <pc:docMk/>
-            <pc:sldMk cId="3550632521" sldId="259"/>
-            <ac:spMk id="2" creationId="{2D34C920-C402-4391-8123-8C4B6D18019E}"/>
-          </ac:spMkLst>
-        </pc:spChg>
-        <pc:spChg chg="del mod">
-          <ac:chgData name="Celia Banks" userId="9293182f3fb426e6" providerId="LiveId" clId="{ECD1C60B-A4EF-447F-B961-491383EE1F21}" dt="2021-10-11T13:32:01.956" v="7" actId="478"/>
-          <ac:spMkLst>
-            <pc:docMk/>
-            <pc:sldMk cId="3550632521" sldId="259"/>
-            <ac:spMk id="3" creationId="{13C8CDC2-0F00-4304-AB6F-DBB715A99593}"/>
-          </ac:spMkLst>
-        </pc:spChg>
-        <pc:spChg chg="add del">
-          <ac:chgData name="Celia Banks" userId="9293182f3fb426e6" providerId="LiveId" clId="{ECD1C60B-A4EF-447F-B961-491383EE1F21}" dt="2021-10-11T13:31:36.222" v="4"/>
-          <ac:spMkLst>
-            <pc:docMk/>
-            <pc:sldMk cId="3550632521" sldId="259"/>
-            <ac:spMk id="6" creationId="{08C956CF-43D7-4CBB-9DD4-8067C7D3F449}"/>
-          </ac:spMkLst>
-        </pc:spChg>
-        <pc:spChg chg="add del mod">
-          <ac:chgData name="Celia Banks" userId="9293182f3fb426e6" providerId="LiveId" clId="{ECD1C60B-A4EF-447F-B961-491383EE1F21}" dt="2021-10-11T13:32:06.739" v="8" actId="478"/>
-          <ac:spMkLst>
-            <pc:docMk/>
-            <pc:sldMk cId="3550632521" sldId="259"/>
-            <ac:spMk id="9" creationId="{A4934466-AE9D-46EA-88DA-978854569942}"/>
-          </ac:spMkLst>
-        </pc:spChg>
-        <pc:spChg chg="add mod">
-          <ac:chgData name="Celia Banks" userId="9293182f3fb426e6" providerId="LiveId" clId="{ECD1C60B-A4EF-447F-B961-491383EE1F21}" dt="2021-10-11T13:39:19.506" v="178" actId="20577"/>
-          <ac:spMkLst>
-            <pc:docMk/>
-            <pc:sldMk cId="3550632521" sldId="259"/>
-            <ac:spMk id="12" creationId="{EF243702-421E-4050-82EE-51AB8371440B}"/>
-          </ac:spMkLst>
-        </pc:spChg>
-        <pc:spChg chg="del">
-          <ac:chgData name="Celia Banks" userId="9293182f3fb426e6" providerId="LiveId" clId="{ECD1C60B-A4EF-447F-B961-491383EE1F21}" dt="2021-10-11T13:31:45.709" v="6" actId="26606"/>
-          <ac:spMkLst>
-            <pc:docMk/>
-            <pc:sldMk cId="3550632521" sldId="259"/>
-            <ac:spMk id="26" creationId="{6ECA6DCB-B7E1-40A9-9524-540C6DA40B1B}"/>
-          </ac:spMkLst>
-        </pc:spChg>
-        <pc:spChg chg="del">
-          <ac:chgData name="Celia Banks" userId="9293182f3fb426e6" providerId="LiveId" clId="{ECD1C60B-A4EF-447F-B961-491383EE1F21}" dt="2021-10-11T13:31:45.709" v="6" actId="26606"/>
-          <ac:spMkLst>
-            <pc:docMk/>
-            <pc:sldMk cId="3550632521" sldId="259"/>
-            <ac:spMk id="32" creationId="{3873B707-463F-40B0-8227-E8CC6C67EB25}"/>
-          </ac:spMkLst>
-        </pc:spChg>
-        <pc:spChg chg="del">
-          <ac:chgData name="Celia Banks" userId="9293182f3fb426e6" providerId="LiveId" clId="{ECD1C60B-A4EF-447F-B961-491383EE1F21}" dt="2021-10-11T13:31:45.709" v="6" actId="26606"/>
-          <ac:spMkLst>
-            <pc:docMk/>
-            <pc:sldMk cId="3550632521" sldId="259"/>
-            <ac:spMk id="34" creationId="{C13237C8-E62C-4F0D-A318-BD6FB6C2D138}"/>
-          </ac:spMkLst>
-        </pc:spChg>
-        <pc:spChg chg="del">
-          <ac:chgData name="Celia Banks" userId="9293182f3fb426e6" providerId="LiveId" clId="{ECD1C60B-A4EF-447F-B961-491383EE1F21}" dt="2021-10-11T13:31:45.709" v="6" actId="26606"/>
-          <ac:spMkLst>
-            <pc:docMk/>
-            <pc:sldMk cId="3550632521" sldId="259"/>
-            <ac:spMk id="36" creationId="{19C9EAEA-39D0-4B0E-A0EB-51E7B26740B1}"/>
-          </ac:spMkLst>
-        </pc:spChg>
-        <pc:spChg chg="del">
-          <ac:chgData name="Celia Banks" userId="9293182f3fb426e6" providerId="LiveId" clId="{ECD1C60B-A4EF-447F-B961-491383EE1F21}" dt="2021-10-11T13:31:45.709" v="6" actId="26606"/>
-          <ac:spMkLst>
-            <pc:docMk/>
-            <pc:sldMk cId="3550632521" sldId="259"/>
-            <ac:spMk id="38" creationId="{8CB5D2D7-DF65-4E86-BFBA-FFB9B5ACEB64}"/>
-          </ac:spMkLst>
-        </pc:spChg>
-        <pc:spChg chg="add">
-          <ac:chgData name="Celia Banks" userId="9293182f3fb426e6" providerId="LiveId" clId="{ECD1C60B-A4EF-447F-B961-491383EE1F21}" dt="2021-10-11T13:31:45.709" v="6" actId="26606"/>
-          <ac:spMkLst>
-            <pc:docMk/>
-            <pc:sldMk cId="3550632521" sldId="259"/>
-            <ac:spMk id="43" creationId="{117AB3D3-3C9C-4DED-809A-78734805B895}"/>
-          </ac:spMkLst>
-        </pc:spChg>
-        <pc:spChg chg="add">
-          <ac:chgData name="Celia Banks" userId="9293182f3fb426e6" providerId="LiveId" clId="{ECD1C60B-A4EF-447F-B961-491383EE1F21}" dt="2021-10-11T13:31:45.709" v="6" actId="26606"/>
-          <ac:spMkLst>
-            <pc:docMk/>
-            <pc:sldMk cId="3550632521" sldId="259"/>
-            <ac:spMk id="45" creationId="{3A9A4357-BD1D-4622-A4FE-766E6AB8DE84}"/>
-          </ac:spMkLst>
-        </pc:spChg>
-        <pc:spChg chg="add">
-          <ac:chgData name="Celia Banks" userId="9293182f3fb426e6" providerId="LiveId" clId="{ECD1C60B-A4EF-447F-B961-491383EE1F21}" dt="2021-10-11T13:31:45.709" v="6" actId="26606"/>
-          <ac:spMkLst>
-            <pc:docMk/>
-            <pc:sldMk cId="3550632521" sldId="259"/>
-            <ac:spMk id="47" creationId="{E659831F-0D9A-4C63-9EBB-8435B85A440F}"/>
-          </ac:spMkLst>
-        </pc:spChg>
-        <pc:spChg chg="add">
-          <ac:chgData name="Celia Banks" userId="9293182f3fb426e6" providerId="LiveId" clId="{ECD1C60B-A4EF-447F-B961-491383EE1F21}" dt="2021-10-11T13:31:45.709" v="6" actId="26606"/>
-          <ac:spMkLst>
-            <pc:docMk/>
-            <pc:sldMk cId="3550632521" sldId="259"/>
-            <ac:spMk id="49" creationId="{E6995CE5-F890-4ABA-82A2-26507CE8D2A3}"/>
-          </ac:spMkLst>
-        </pc:spChg>
-        <pc:grpChg chg="del">
-          <ac:chgData name="Celia Banks" userId="9293182f3fb426e6" providerId="LiveId" clId="{ECD1C60B-A4EF-447F-B961-491383EE1F21}" dt="2021-10-11T13:31:45.709" v="6" actId="26606"/>
-          <ac:grpSpMkLst>
-            <pc:docMk/>
-            <pc:sldMk cId="3550632521" sldId="259"/>
-            <ac:grpSpMk id="28" creationId="{1DE889C7-FAD6-4397-98E2-05D503484459}"/>
-          </ac:grpSpMkLst>
-        </pc:grpChg>
-        <pc:picChg chg="del">
-          <ac:chgData name="Celia Banks" userId="9293182f3fb426e6" providerId="LiveId" clId="{ECD1C60B-A4EF-447F-B961-491383EE1F21}" dt="2021-10-11T13:31:31.989" v="2" actId="478"/>
-          <ac:picMkLst>
-            <pc:docMk/>
-            <pc:sldMk cId="3550632521" sldId="259"/>
-            <ac:picMk id="4" creationId="{517DF6C6-D5FE-46D0-88FF-3D6CEFC477EC}"/>
-          </ac:picMkLst>
-        </pc:picChg>
-        <pc:picChg chg="del">
-          <ac:chgData name="Celia Banks" userId="9293182f3fb426e6" providerId="LiveId" clId="{ECD1C60B-A4EF-447F-B961-491383EE1F21}" dt="2021-10-11T13:31:29.363" v="1" actId="478"/>
-          <ac:picMkLst>
-            <pc:docMk/>
-            <pc:sldMk cId="3550632521" sldId="259"/>
-            <ac:picMk id="5" creationId="{DC65C052-FB07-4970-9740-5455ECF80EAD}"/>
-          </ac:picMkLst>
-        </pc:picChg>
-        <pc:picChg chg="add del mod">
-          <ac:chgData name="Celia Banks" userId="9293182f3fb426e6" providerId="LiveId" clId="{ECD1C60B-A4EF-447F-B961-491383EE1F21}" dt="2021-10-11T13:33:46.369" v="17" actId="478"/>
-          <ac:picMkLst>
-            <pc:docMk/>
-            <pc:sldMk cId="3550632521" sldId="259"/>
-            <ac:picMk id="7" creationId="{C5BE3913-FCA9-460A-A589-3ABE78529CFF}"/>
-          </ac:picMkLst>
-        </pc:picChg>
-        <pc:picChg chg="add mod ord">
-          <ac:chgData name="Celia Banks" userId="9293182f3fb426e6" providerId="LiveId" clId="{ECD1C60B-A4EF-447F-B961-491383EE1F21}" dt="2021-10-11T13:36:48.831" v="89" actId="166"/>
-          <ac:picMkLst>
-            <pc:docMk/>
-            <pc:sldMk cId="3550632521" sldId="259"/>
-            <ac:picMk id="10" creationId="{0ABCFFA1-AD9D-473B-99F1-523F70A4B82A}"/>
-          </ac:picMkLst>
-        </pc:picChg>
-        <pc:picChg chg="add mod">
-          <ac:chgData name="Celia Banks" userId="9293182f3fb426e6" providerId="LiveId" clId="{ECD1C60B-A4EF-447F-B961-491383EE1F21}" dt="2021-10-11T13:36:10.530" v="32" actId="1076"/>
-          <ac:picMkLst>
-            <pc:docMk/>
-            <pc:sldMk cId="3550632521" sldId="259"/>
-            <ac:picMk id="11" creationId="{612DE33B-37B3-4366-BFD3-99EBE164C254}"/>
-          </ac:picMkLst>
-        </pc:picChg>
-      </pc:sldChg>
-      <pc:sldChg chg="modSp add mod ord">
-        <pc:chgData name="Celia Banks" userId="9293182f3fb426e6" providerId="LiveId" clId="{ECD1C60B-A4EF-447F-B961-491383EE1F21}" dt="2021-10-11T13:39:53.956" v="180" actId="1076"/>
-        <pc:sldMkLst>
-          <pc:docMk/>
-          <pc:sldMk cId="4066931203" sldId="260"/>
-        </pc:sldMkLst>
-        <pc:spChg chg="mod">
-          <ac:chgData name="Celia Banks" userId="9293182f3fb426e6" providerId="LiveId" clId="{ECD1C60B-A4EF-447F-B961-491383EE1F21}" dt="2021-10-11T13:38:28.850" v="148" actId="20577"/>
-          <ac:spMkLst>
-            <pc:docMk/>
-            <pc:sldMk cId="4066931203" sldId="260"/>
-            <ac:spMk id="3" creationId="{13C8CDC2-0F00-4304-AB6F-DBB715A99593}"/>
-          </ac:spMkLst>
-        </pc:spChg>
-        <pc:picChg chg="mod">
-          <ac:chgData name="Celia Banks" userId="9293182f3fb426e6" providerId="LiveId" clId="{ECD1C60B-A4EF-447F-B961-491383EE1F21}" dt="2021-10-11T13:39:53.956" v="180" actId="1076"/>
-          <ac:picMkLst>
-            <pc:docMk/>
-            <pc:sldMk cId="4066931203" sldId="260"/>
-            <ac:picMk id="4" creationId="{517DF6C6-D5FE-46D0-88FF-3D6CEFC477EC}"/>
-          </ac:picMkLst>
-        </pc:picChg>
-      </pc:sldChg>
-      <pc:sldChg chg="delSp modSp add mod">
-        <pc:chgData name="Celia Banks" userId="9293182f3fb426e6" providerId="LiveId" clId="{ECD1C60B-A4EF-447F-B961-491383EE1F21}" dt="2021-10-11T13:50:46.988" v="272" actId="6549"/>
-        <pc:sldMkLst>
-          <pc:docMk/>
-          <pc:sldMk cId="1104531806" sldId="261"/>
-        </pc:sldMkLst>
-        <pc:spChg chg="mod">
-          <ac:chgData name="Celia Banks" userId="9293182f3fb426e6" providerId="LiveId" clId="{ECD1C60B-A4EF-447F-B961-491383EE1F21}" dt="2021-10-11T13:50:46.988" v="272" actId="6549"/>
-          <ac:spMkLst>
-            <pc:docMk/>
-            <pc:sldMk cId="1104531806" sldId="261"/>
-            <ac:spMk id="2" creationId="{2D34C920-C402-4391-8123-8C4B6D18019E}"/>
-          </ac:spMkLst>
-        </pc:spChg>
-        <pc:picChg chg="del">
-          <ac:chgData name="Celia Banks" userId="9293182f3fb426e6" providerId="LiveId" clId="{ECD1C60B-A4EF-447F-B961-491383EE1F21}" dt="2021-10-11T13:49:13.866" v="230" actId="478"/>
-          <ac:picMkLst>
-            <pc:docMk/>
-            <pc:sldMk cId="1104531806" sldId="261"/>
-            <ac:picMk id="10" creationId="{0ABCFFA1-AD9D-473B-99F1-523F70A4B82A}"/>
-          </ac:picMkLst>
-        </pc:picChg>
-        <pc:picChg chg="del">
-          <ac:chgData name="Celia Banks" userId="9293182f3fb426e6" providerId="LiveId" clId="{ECD1C60B-A4EF-447F-B961-491383EE1F21}" dt="2021-10-11T13:49:15.899" v="231" actId="478"/>
-          <ac:picMkLst>
-            <pc:docMk/>
-            <pc:sldMk cId="1104531806" sldId="261"/>
-            <ac:picMk id="11" creationId="{612DE33B-37B3-4366-BFD3-99EBE164C254}"/>
-          </ac:picMkLst>
-        </pc:picChg>
-      </pc:sldChg>
-      <pc:sldChg chg="new del">
-        <pc:chgData name="Celia Banks" userId="9293182f3fb426e6" providerId="LiveId" clId="{ECD1C60B-A4EF-447F-B961-491383EE1F21}" dt="2021-10-11T13:49:00.533" v="228" actId="47"/>
-        <pc:sldMkLst>
-          <pc:docMk/>
-          <pc:sldMk cId="1354995640" sldId="261"/>
-        </pc:sldMkLst>
-      </pc:sldChg>
-      <pc:sldChg chg="add del ord">
-        <pc:chgData name="Celia Banks" userId="9293182f3fb426e6" providerId="LiveId" clId="{ECD1C60B-A4EF-447F-B961-491383EE1F21}" dt="2021-10-11T13:48:53.156" v="226" actId="2696"/>
-        <pc:sldMkLst>
-          <pc:docMk/>
-          <pc:sldMk cId="2973759397" sldId="261"/>
-        </pc:sldMkLst>
-      </pc:sldChg>
-      <pc:sldChg chg="modSp add mod">
-        <pc:chgData name="Celia Banks" userId="9293182f3fb426e6" providerId="LiveId" clId="{ECD1C60B-A4EF-447F-B961-491383EE1F21}" dt="2021-10-11T13:51:02.756" v="284" actId="6549"/>
-        <pc:sldMkLst>
-          <pc:docMk/>
-          <pc:sldMk cId="3522735370" sldId="262"/>
-        </pc:sldMkLst>
-        <pc:spChg chg="mod">
-          <ac:chgData name="Celia Banks" userId="9293182f3fb426e6" providerId="LiveId" clId="{ECD1C60B-A4EF-447F-B961-491383EE1F21}" dt="2021-10-11T13:51:02.756" v="284" actId="6549"/>
-          <ac:spMkLst>
-            <pc:docMk/>
-            <pc:sldMk cId="3522735370" sldId="262"/>
-            <ac:spMk id="2" creationId="{2D34C920-C402-4391-8123-8C4B6D18019E}"/>
-          </ac:spMkLst>
-        </pc:spChg>
-      </pc:sldChg>
-      <pc:sldChg chg="delSp modSp add mod">
-        <pc:chgData name="Celia Banks" userId="9293182f3fb426e6" providerId="LiveId" clId="{ECD1C60B-A4EF-447F-B961-491383EE1F21}" dt="2021-10-11T13:50:18.018" v="260" actId="5793"/>
-        <pc:sldMkLst>
-          <pc:docMk/>
-          <pc:sldMk cId="1539315846" sldId="263"/>
-        </pc:sldMkLst>
-        <pc:spChg chg="mod">
-          <ac:chgData name="Celia Banks" userId="9293182f3fb426e6" providerId="LiveId" clId="{ECD1C60B-A4EF-447F-B961-491383EE1F21}" dt="2021-10-11T13:50:18.018" v="260" actId="5793"/>
-          <ac:spMkLst>
-            <pc:docMk/>
-            <pc:sldMk cId="1539315846" sldId="263"/>
-            <ac:spMk id="2" creationId="{2D34C920-C402-4391-8123-8C4B6D18019E}"/>
-          </ac:spMkLst>
-        </pc:spChg>
-        <pc:spChg chg="del">
-          <ac:chgData name="Celia Banks" userId="9293182f3fb426e6" providerId="LiveId" clId="{ECD1C60B-A4EF-447F-B961-491383EE1F21}" dt="2021-10-11T13:50:13.980" v="258" actId="478"/>
-          <ac:spMkLst>
-            <pc:docMk/>
-            <pc:sldMk cId="1539315846" sldId="263"/>
-            <ac:spMk id="12" creationId="{EF243702-421E-4050-82EE-51AB8371440B}"/>
-          </ac:spMkLst>
-        </pc:spChg>
-      </pc:sldChg>
-    </pc:docChg>
-  </pc:docChgLst>
-</pc:chgInfo>
-</file>
-
 <file path=ppt/slideLayouts/slideLayout1.xml><?xml version="1.0" encoding="utf-8"?>
 <p:sldLayout xmlns:a="http://schemas.openxmlformats.org/drawingml/2006/main" xmlns:r="http://schemas.openxmlformats.org/officeDocument/2006/relationships" xmlns:p="http://schemas.openxmlformats.org/presentationml/2006/main" type="title" preserve="1">
   <p:cSld name="Title Slide">
@@ -770,7 +282,7 @@
           <a:p>
             <a:fld id="{82FBA699-2150-478B-8DE9-C41B5A041D2B}" type="datetimeFigureOut">
               <a:rPr lang="en-US" smtClean="0"/>
-              <a:t>10/11/2021</a:t>
+              <a:t>10/12/21</a:t>
             </a:fld>
             <a:endParaRPr lang="en-US"/>
           </a:p>
@@ -968,7 +480,7 @@
           <a:p>
             <a:fld id="{82FBA699-2150-478B-8DE9-C41B5A041D2B}" type="datetimeFigureOut">
               <a:rPr lang="en-US" smtClean="0"/>
-              <a:t>10/11/2021</a:t>
+              <a:t>10/12/21</a:t>
             </a:fld>
             <a:endParaRPr lang="en-US"/>
           </a:p>
@@ -1176,7 +688,7 @@
           <a:p>
             <a:fld id="{82FBA699-2150-478B-8DE9-C41B5A041D2B}" type="datetimeFigureOut">
               <a:rPr lang="en-US" smtClean="0"/>
-              <a:t>10/11/2021</a:t>
+              <a:t>10/12/21</a:t>
             </a:fld>
             <a:endParaRPr lang="en-US"/>
           </a:p>
@@ -1374,7 +886,7 @@
           <a:p>
             <a:fld id="{82FBA699-2150-478B-8DE9-C41B5A041D2B}" type="datetimeFigureOut">
               <a:rPr lang="en-US" smtClean="0"/>
-              <a:t>10/11/2021</a:t>
+              <a:t>10/12/21</a:t>
             </a:fld>
             <a:endParaRPr lang="en-US"/>
           </a:p>
@@ -1649,7 +1161,7 @@
           <a:p>
             <a:fld id="{82FBA699-2150-478B-8DE9-C41B5A041D2B}" type="datetimeFigureOut">
               <a:rPr lang="en-US" smtClean="0"/>
-              <a:t>10/11/2021</a:t>
+              <a:t>10/12/21</a:t>
             </a:fld>
             <a:endParaRPr lang="en-US"/>
           </a:p>
@@ -1914,7 +1426,7 @@
           <a:p>
             <a:fld id="{82FBA699-2150-478B-8DE9-C41B5A041D2B}" type="datetimeFigureOut">
               <a:rPr lang="en-US" smtClean="0"/>
-              <a:t>10/11/2021</a:t>
+              <a:t>10/12/21</a:t>
             </a:fld>
             <a:endParaRPr lang="en-US"/>
           </a:p>
@@ -2326,7 +1838,7 @@
           <a:p>
             <a:fld id="{82FBA699-2150-478B-8DE9-C41B5A041D2B}" type="datetimeFigureOut">
               <a:rPr lang="en-US" smtClean="0"/>
-              <a:t>10/11/2021</a:t>
+              <a:t>10/12/21</a:t>
             </a:fld>
             <a:endParaRPr lang="en-US"/>
           </a:p>
@@ -2467,7 +1979,7 @@
           <a:p>
             <a:fld id="{82FBA699-2150-478B-8DE9-C41B5A041D2B}" type="datetimeFigureOut">
               <a:rPr lang="en-US" smtClean="0"/>
-              <a:t>10/11/2021</a:t>
+              <a:t>10/12/21</a:t>
             </a:fld>
             <a:endParaRPr lang="en-US"/>
           </a:p>
@@ -2580,7 +2092,7 @@
           <a:p>
             <a:fld id="{82FBA699-2150-478B-8DE9-C41B5A041D2B}" type="datetimeFigureOut">
               <a:rPr lang="en-US" smtClean="0"/>
-              <a:t>10/11/2021</a:t>
+              <a:t>10/12/21</a:t>
             </a:fld>
             <a:endParaRPr lang="en-US"/>
           </a:p>
@@ -2891,7 +2403,7 @@
           <a:p>
             <a:fld id="{82FBA699-2150-478B-8DE9-C41B5A041D2B}" type="datetimeFigureOut">
               <a:rPr lang="en-US" smtClean="0"/>
-              <a:t>10/11/2021</a:t>
+              <a:t>10/12/21</a:t>
             </a:fld>
             <a:endParaRPr lang="en-US"/>
           </a:p>
@@ -3179,7 +2691,7 @@
           <a:p>
             <a:fld id="{82FBA699-2150-478B-8DE9-C41B5A041D2B}" type="datetimeFigureOut">
               <a:rPr lang="en-US" smtClean="0"/>
-              <a:t>10/11/2021</a:t>
+              <a:t>10/12/21</a:t>
             </a:fld>
             <a:endParaRPr lang="en-US"/>
           </a:p>
@@ -3420,7 +2932,7 @@
           <a:p>
             <a:fld id="{82FBA699-2150-478B-8DE9-C41B5A041D2B}" type="datetimeFigureOut">
               <a:rPr lang="en-US" smtClean="0"/>
-              <a:t>10/11/2021</a:t>
+              <a:t>10/12/21</a:t>
             </a:fld>
             <a:endParaRPr lang="en-US"/>
           </a:p>
@@ -4680,10 +4192,2048 @@
           </a:p>
         </p:txBody>
       </p:sp>
+      <p:sp>
+        <p:nvSpPr>
+          <p:cNvPr id="3" name="TextBox 2">
+            <a:extLst>
+              <a:ext uri="{FF2B5EF4-FFF2-40B4-BE49-F238E27FC236}">
+                <a16:creationId xmlns:a16="http://schemas.microsoft.com/office/drawing/2014/main" id="{481F63D1-F1E2-CF40-BFED-3BE9387CBB72}"/>
+              </a:ext>
+            </a:extLst>
+          </p:cNvPr>
+          <p:cNvSpPr txBox="1"/>
+          <p:nvPr/>
+        </p:nvSpPr>
+        <p:spPr>
+          <a:xfrm>
+            <a:off x="747132" y="2564780"/>
+            <a:ext cx="9659119" cy="4801314"/>
+          </a:xfrm>
+          <a:prstGeom prst="rect">
+            <a:avLst/>
+          </a:prstGeom>
+          <a:noFill/>
+        </p:spPr>
+        <p:txBody>
+          <a:bodyPr wrap="none" rtlCol="0">
+            <a:spAutoFit/>
+          </a:bodyPr>
+          <a:lstStyle/>
+          <a:p>
+            <a:pPr marL="285750" indent="-285750">
+              <a:buFont typeface="Arial" panose="020B0604020202020204" pitchFamily="34" charset="0"/>
+              <a:buChar char="•"/>
+            </a:pPr>
+            <a:r>
+              <a:rPr lang="en-US" dirty="0"/>
+              <a:t>The Western region with states like California , Colorado and Michigan lead the country with </a:t>
+            </a:r>
+          </a:p>
+          <a:p>
+            <a:r>
+              <a:rPr lang="en-US" dirty="0"/>
+              <a:t>     highest number of Breweries.  This is possibly due to a better climate in the western region.</a:t>
+            </a:r>
+          </a:p>
+          <a:p>
+            <a:pPr marL="285750" indent="-285750">
+              <a:buFont typeface="Arial" panose="020B0604020202020204" pitchFamily="34" charset="0"/>
+              <a:buChar char="•"/>
+            </a:pPr>
+            <a:endParaRPr lang="en-US" dirty="0"/>
+          </a:p>
+          <a:p>
+            <a:pPr marL="285750" indent="-285750">
+              <a:buFont typeface="Arial" panose="020B0604020202020204" pitchFamily="34" charset="0"/>
+              <a:buChar char="•"/>
+            </a:pPr>
+            <a:r>
+              <a:rPr lang="en-US" dirty="0"/>
+              <a:t>Unlike states like Utah where ABV is regulated to 5%, we can utilize western states to manufacture</a:t>
+            </a:r>
+          </a:p>
+          <a:p>
+            <a:r>
+              <a:rPr lang="en-US" dirty="0"/>
+              <a:t>      a product with a higher ABV.</a:t>
+            </a:r>
+          </a:p>
+          <a:p>
+            <a:pPr marL="285750" indent="-285750">
+              <a:buFont typeface="Arial" panose="020B0604020202020204" pitchFamily="34" charset="0"/>
+              <a:buChar char="•"/>
+            </a:pPr>
+            <a:endParaRPr lang="en-US" dirty="0"/>
+          </a:p>
+          <a:p>
+            <a:pPr marL="285750" indent="-285750">
+              <a:buFont typeface="Arial" panose="020B0604020202020204" pitchFamily="34" charset="0"/>
+              <a:buChar char="•"/>
+            </a:pPr>
+            <a:r>
+              <a:rPr lang="en-US" dirty="0"/>
+              <a:t>California would be the most optimum possibility for us in deciding a product with a high ABV and </a:t>
+            </a:r>
+          </a:p>
+          <a:p>
+            <a:r>
+              <a:rPr lang="en-US" dirty="0"/>
+              <a:t>     most suitable climate.</a:t>
+            </a:r>
+          </a:p>
+          <a:p>
+            <a:pPr marL="285750" indent="-285750">
+              <a:buFont typeface="Arial" panose="020B0604020202020204" pitchFamily="34" charset="0"/>
+              <a:buChar char="•"/>
+            </a:pPr>
+            <a:endParaRPr lang="en-US" dirty="0"/>
+          </a:p>
+          <a:p>
+            <a:pPr marL="285750" indent="-285750">
+              <a:buFont typeface="Arial" panose="020B0604020202020204" pitchFamily="34" charset="0"/>
+              <a:buChar char="•"/>
+            </a:pPr>
+            <a:r>
+              <a:rPr lang="en-US" dirty="0"/>
+              <a:t>IBU is not as high in California in consideration to states like Maine.</a:t>
+            </a:r>
+          </a:p>
+          <a:p>
+            <a:endParaRPr lang="en-US" dirty="0"/>
+          </a:p>
+          <a:p>
+            <a:endParaRPr lang="en-US" dirty="0"/>
+          </a:p>
+          <a:p>
+            <a:endParaRPr lang="en-US" dirty="0"/>
+          </a:p>
+          <a:p>
+            <a:endParaRPr lang="en-US" dirty="0"/>
+          </a:p>
+          <a:p>
+            <a:endParaRPr lang="en-US" dirty="0"/>
+          </a:p>
+          <a:p>
+            <a:endParaRPr lang="en-US" dirty="0"/>
+          </a:p>
+          <a:p>
+            <a:r>
+              <a:rPr lang="en-US" dirty="0"/>
+              <a:t>  </a:t>
+            </a:r>
+          </a:p>
+        </p:txBody>
+      </p:sp>
     </p:spTree>
     <p:extLst>
       <p:ext uri="{BB962C8B-B14F-4D97-AF65-F5344CB8AC3E}">
         <p14:creationId xmlns:p14="http://schemas.microsoft.com/office/powerpoint/2010/main" val="1539315846"/>
+      </p:ext>
+    </p:extLst>
+  </p:cSld>
+  <p:clrMapOvr>
+    <a:masterClrMapping/>
+  </p:clrMapOvr>
+</p:sld>
+</file>
+
+<file path=ppt/slides/slide11.xml><?xml version="1.0" encoding="utf-8"?>
+<p:sld xmlns:a="http://schemas.openxmlformats.org/drawingml/2006/main" xmlns:r="http://schemas.openxmlformats.org/officeDocument/2006/relationships" xmlns:p="http://schemas.openxmlformats.org/presentationml/2006/main">
+  <p:cSld>
+    <p:bg>
+      <p:bgPr>
+        <a:solidFill>
+          <a:schemeClr val="bg1"/>
+        </a:solidFill>
+        <a:effectLst/>
+      </p:bgPr>
+    </p:bg>
+    <p:spTree>
+      <p:nvGrpSpPr>
+        <p:cNvPr id="1" name=""/>
+        <p:cNvGrpSpPr/>
+        <p:nvPr/>
+      </p:nvGrpSpPr>
+      <p:grpSpPr>
+        <a:xfrm>
+          <a:off x="0" y="0"/>
+          <a:ext cx="0" cy="0"/>
+          <a:chOff x="0" y="0"/>
+          <a:chExt cx="0" cy="0"/>
+        </a:xfrm>
+      </p:grpSpPr>
+      <p:sp useBgFill="1">
+        <p:nvSpPr>
+          <p:cNvPr id="43" name="Rectangle 42">
+            <a:extLst>
+              <a:ext uri="{FF2B5EF4-FFF2-40B4-BE49-F238E27FC236}">
+                <a16:creationId xmlns:a16="http://schemas.microsoft.com/office/drawing/2014/main" id="{117AB3D3-3C9C-4DED-809A-78734805B895}"/>
+              </a:ext>
+              <a:ext uri="{C183D7F6-B498-43B3-948B-1728B52AA6E4}">
+                <adec:decorative xmlns:adec="http://schemas.microsoft.com/office/drawing/2017/decorative" val="1"/>
+              </a:ext>
+            </a:extLst>
+          </p:cNvPr>
+          <p:cNvSpPr>
+            <a:spLocks noGrp="1" noRot="1" noChangeAspect="1" noMove="1" noResize="1" noEditPoints="1" noAdjustHandles="1" noChangeArrowheads="1" noChangeShapeType="1" noTextEdit="1"/>
+          </p:cNvSpPr>
+          <p:nvPr>
+            <p:extLst>
+              <p:ext uri="{386F3935-93C4-4BCD-93E2-E3B085C9AB24}">
+                <p16:designElem xmlns:p16="http://schemas.microsoft.com/office/powerpoint/2015/main" val="1"/>
+              </p:ext>
+            </p:extLst>
+          </p:nvPr>
+        </p:nvSpPr>
+        <p:spPr>
+          <a:xfrm>
+            <a:off x="0" y="0"/>
+            <a:ext cx="12191999" cy="6857365"/>
+          </a:xfrm>
+          <a:prstGeom prst="rect">
+            <a:avLst/>
+          </a:prstGeom>
+          <a:ln>
+            <a:noFill/>
+          </a:ln>
+        </p:spPr>
+        <p:style>
+          <a:lnRef idx="2">
+            <a:schemeClr val="accent1">
+              <a:shade val="50000"/>
+            </a:schemeClr>
+          </a:lnRef>
+          <a:fillRef idx="1">
+            <a:schemeClr val="accent1"/>
+          </a:fillRef>
+          <a:effectRef idx="0">
+            <a:schemeClr val="accent1"/>
+          </a:effectRef>
+          <a:fontRef idx="minor">
+            <a:schemeClr val="lt1"/>
+          </a:fontRef>
+        </p:style>
+        <p:txBody>
+          <a:bodyPr rtlCol="0" anchor="ctr"/>
+          <a:lstStyle/>
+          <a:p>
+            <a:pPr algn="ctr"/>
+            <a:endParaRPr lang="en-US"/>
+          </a:p>
+        </p:txBody>
+      </p:sp>
+      <p:sp>
+        <p:nvSpPr>
+          <p:cNvPr id="2" name="Title 1">
+            <a:extLst>
+              <a:ext uri="{FF2B5EF4-FFF2-40B4-BE49-F238E27FC236}">
+                <a16:creationId xmlns:a16="http://schemas.microsoft.com/office/drawing/2014/main" id="{2D34C920-C402-4391-8123-8C4B6D18019E}"/>
+              </a:ext>
+            </a:extLst>
+          </p:cNvPr>
+          <p:cNvSpPr>
+            <a:spLocks noGrp="1"/>
+          </p:cNvSpPr>
+          <p:nvPr>
+            <p:ph type="title"/>
+          </p:nvPr>
+        </p:nvSpPr>
+        <p:spPr>
+          <a:xfrm>
+            <a:off x="458382" y="518336"/>
+            <a:ext cx="6605847" cy="1298448"/>
+          </a:xfrm>
+        </p:spPr>
+        <p:txBody>
+          <a:bodyPr anchor="b">
+            <a:normAutofit/>
+          </a:bodyPr>
+          <a:lstStyle/>
+          <a:p>
+            <a:r>
+              <a:rPr lang="en-US" sz="3200" dirty="0">
+                <a:latin typeface="Adobe Devanagari" panose="02040503050201020203" pitchFamily="18" charset="0"/>
+                <a:cs typeface="Adobe Devanagari" panose="02040503050201020203" pitchFamily="18" charset="0"/>
+              </a:rPr>
+              <a:t>Appendix</a:t>
+            </a:r>
+          </a:p>
+        </p:txBody>
+      </p:sp>
+      <p:sp>
+        <p:nvSpPr>
+          <p:cNvPr id="45" name="Rectangle 44">
+            <a:extLst>
+              <a:ext uri="{FF2B5EF4-FFF2-40B4-BE49-F238E27FC236}">
+                <a16:creationId xmlns:a16="http://schemas.microsoft.com/office/drawing/2014/main" id="{3A9A4357-BD1D-4622-A4FE-766E6AB8DE84}"/>
+              </a:ext>
+              <a:ext uri="{C183D7F6-B498-43B3-948B-1728B52AA6E4}">
+                <adec:decorative xmlns:adec="http://schemas.microsoft.com/office/drawing/2017/decorative" val="1"/>
+              </a:ext>
+            </a:extLst>
+          </p:cNvPr>
+          <p:cNvSpPr>
+            <a:spLocks noGrp="1" noRot="1" noChangeAspect="1" noMove="1" noResize="1" noEditPoints="1" noAdjustHandles="1" noChangeArrowheads="1" noChangeShapeType="1" noTextEdit="1"/>
+          </p:cNvSpPr>
+          <p:nvPr>
+            <p:extLst>
+              <p:ext uri="{386F3935-93C4-4BCD-93E2-E3B085C9AB24}">
+                <p16:designElem xmlns:p16="http://schemas.microsoft.com/office/powerpoint/2015/main" val="1"/>
+              </p:ext>
+            </p:extLst>
+          </p:nvPr>
+        </p:nvSpPr>
+        <p:spPr>
+          <a:xfrm flipH="1" flipV="1">
+            <a:off x="-2" y="1998845"/>
+            <a:ext cx="11454595" cy="781699"/>
+          </a:xfrm>
+          <a:prstGeom prst="rect">
+            <a:avLst/>
+          </a:prstGeom>
+          <a:solidFill>
+            <a:schemeClr val="accent4"/>
+          </a:solidFill>
+          <a:ln>
+            <a:noFill/>
+          </a:ln>
+        </p:spPr>
+        <p:style>
+          <a:lnRef idx="2">
+            <a:schemeClr val="accent1">
+              <a:shade val="50000"/>
+            </a:schemeClr>
+          </a:lnRef>
+          <a:fillRef idx="1">
+            <a:schemeClr val="accent1"/>
+          </a:fillRef>
+          <a:effectRef idx="0">
+            <a:schemeClr val="accent1"/>
+          </a:effectRef>
+          <a:fontRef idx="minor">
+            <a:schemeClr val="lt1"/>
+          </a:fontRef>
+        </p:style>
+        <p:txBody>
+          <a:bodyPr rtlCol="0" anchor="ctr"/>
+          <a:lstStyle/>
+          <a:p>
+            <a:pPr algn="ctr"/>
+            <a:endParaRPr lang="en-US"/>
+          </a:p>
+        </p:txBody>
+      </p:sp>
+      <p:sp>
+        <p:nvSpPr>
+          <p:cNvPr id="47" name="Rectangle 46">
+            <a:extLst>
+              <a:ext uri="{FF2B5EF4-FFF2-40B4-BE49-F238E27FC236}">
+                <a16:creationId xmlns:a16="http://schemas.microsoft.com/office/drawing/2014/main" id="{E659831F-0D9A-4C63-9EBB-8435B85A440F}"/>
+              </a:ext>
+              <a:ext uri="{C183D7F6-B498-43B3-948B-1728B52AA6E4}">
+                <adec:decorative xmlns:adec="http://schemas.microsoft.com/office/drawing/2017/decorative" val="1"/>
+              </a:ext>
+            </a:extLst>
+          </p:cNvPr>
+          <p:cNvSpPr>
+            <a:spLocks noGrp="1" noRot="1" noChangeAspect="1" noMove="1" noResize="1" noEditPoints="1" noAdjustHandles="1" noChangeArrowheads="1" noChangeShapeType="1" noTextEdit="1"/>
+          </p:cNvSpPr>
+          <p:nvPr>
+            <p:extLst>
+              <p:ext uri="{386F3935-93C4-4BCD-93E2-E3B085C9AB24}">
+                <p16:designElem xmlns:p16="http://schemas.microsoft.com/office/powerpoint/2015/main" val="1"/>
+              </p:ext>
+            </p:extLst>
+          </p:nvPr>
+        </p:nvSpPr>
+        <p:spPr>
+          <a:xfrm>
+            <a:off x="0" y="2203079"/>
+            <a:ext cx="11383362" cy="4267991"/>
+          </a:xfrm>
+          <a:prstGeom prst="rect">
+            <a:avLst/>
+          </a:prstGeom>
+          <a:solidFill>
+            <a:schemeClr val="bg1"/>
+          </a:solidFill>
+          <a:ln>
+            <a:noFill/>
+          </a:ln>
+          <a:effectLst>
+            <a:outerShdw blurRad="139700" dist="127000" dir="5400000" algn="t" rotWithShape="0">
+              <a:prstClr val="black">
+                <a:alpha val="15000"/>
+              </a:prstClr>
+            </a:outerShdw>
+          </a:effectLst>
+        </p:spPr>
+        <p:style>
+          <a:lnRef idx="2">
+            <a:schemeClr val="accent1">
+              <a:shade val="50000"/>
+            </a:schemeClr>
+          </a:lnRef>
+          <a:fillRef idx="1">
+            <a:schemeClr val="accent1"/>
+          </a:fillRef>
+          <a:effectRef idx="0">
+            <a:schemeClr val="accent1"/>
+          </a:effectRef>
+          <a:fontRef idx="minor">
+            <a:schemeClr val="lt1"/>
+          </a:fontRef>
+        </p:style>
+        <p:txBody>
+          <a:bodyPr rtlCol="0" anchor="ctr"/>
+          <a:lstStyle/>
+          <a:p>
+            <a:pPr algn="ctr"/>
+            <a:endParaRPr lang="en-US"/>
+          </a:p>
+        </p:txBody>
+      </p:sp>
+      <p:sp>
+        <p:nvSpPr>
+          <p:cNvPr id="49" name="Rectangle 48">
+            <a:extLst>
+              <a:ext uri="{FF2B5EF4-FFF2-40B4-BE49-F238E27FC236}">
+                <a16:creationId xmlns:a16="http://schemas.microsoft.com/office/drawing/2014/main" id="{E6995CE5-F890-4ABA-82A2-26507CE8D2A3}"/>
+              </a:ext>
+              <a:ext uri="{C183D7F6-B498-43B3-948B-1728B52AA6E4}">
+                <adec:decorative xmlns:adec="http://schemas.microsoft.com/office/drawing/2017/decorative" val="1"/>
+              </a:ext>
+            </a:extLst>
+          </p:cNvPr>
+          <p:cNvSpPr>
+            <a:spLocks noGrp="1" noRot="1" noChangeAspect="1" noMove="1" noResize="1" noEditPoints="1" noAdjustHandles="1" noChangeArrowheads="1" noChangeShapeType="1" noTextEdit="1"/>
+          </p:cNvSpPr>
+          <p:nvPr>
+            <p:extLst>
+              <p:ext uri="{386F3935-93C4-4BCD-93E2-E3B085C9AB24}">
+                <p16:designElem xmlns:p16="http://schemas.microsoft.com/office/powerpoint/2015/main" val="1"/>
+              </p:ext>
+            </p:extLst>
+          </p:nvPr>
+        </p:nvSpPr>
+        <p:spPr>
+          <a:xfrm rot="5400000">
+            <a:off x="11228040" y="2313027"/>
+            <a:ext cx="781700" cy="152382"/>
+          </a:xfrm>
+          <a:prstGeom prst="rect">
+            <a:avLst/>
+          </a:prstGeom>
+          <a:solidFill>
+            <a:schemeClr val="accent4"/>
+          </a:solidFill>
+          <a:ln>
+            <a:noFill/>
+          </a:ln>
+        </p:spPr>
+        <p:style>
+          <a:lnRef idx="2">
+            <a:schemeClr val="accent1">
+              <a:shade val="50000"/>
+            </a:schemeClr>
+          </a:lnRef>
+          <a:fillRef idx="1">
+            <a:schemeClr val="accent1"/>
+          </a:fillRef>
+          <a:effectRef idx="0">
+            <a:schemeClr val="accent1"/>
+          </a:effectRef>
+          <a:fontRef idx="minor">
+            <a:schemeClr val="lt1"/>
+          </a:fontRef>
+        </p:style>
+        <p:txBody>
+          <a:bodyPr rtlCol="0" anchor="ctr"/>
+          <a:lstStyle/>
+          <a:p>
+            <a:pPr algn="ctr"/>
+            <a:endParaRPr lang="en-US"/>
+          </a:p>
+        </p:txBody>
+      </p:sp>
+    </p:spTree>
+    <p:extLst>
+      <p:ext uri="{BB962C8B-B14F-4D97-AF65-F5344CB8AC3E}">
+        <p14:creationId xmlns:p14="http://schemas.microsoft.com/office/powerpoint/2010/main" val="2303591389"/>
+      </p:ext>
+    </p:extLst>
+  </p:cSld>
+  <p:clrMapOvr>
+    <a:masterClrMapping/>
+  </p:clrMapOvr>
+</p:sld>
+</file>
+
+<file path=ppt/slides/slide12.xml><?xml version="1.0" encoding="utf-8"?>
+<p:sld xmlns:a="http://schemas.openxmlformats.org/drawingml/2006/main" xmlns:r="http://schemas.openxmlformats.org/officeDocument/2006/relationships" xmlns:p="http://schemas.openxmlformats.org/presentationml/2006/main">
+  <p:cSld>
+    <p:spTree>
+      <p:nvGrpSpPr>
+        <p:cNvPr id="1" name=""/>
+        <p:cNvGrpSpPr/>
+        <p:nvPr/>
+      </p:nvGrpSpPr>
+      <p:grpSpPr>
+        <a:xfrm>
+          <a:off x="0" y="0"/>
+          <a:ext cx="0" cy="0"/>
+          <a:chOff x="0" y="0"/>
+          <a:chExt cx="0" cy="0"/>
+        </a:xfrm>
+      </p:grpSpPr>
+      <p:sp>
+        <p:nvSpPr>
+          <p:cNvPr id="2" name="Title 1">
+            <a:extLst>
+              <a:ext uri="{FF2B5EF4-FFF2-40B4-BE49-F238E27FC236}">
+                <a16:creationId xmlns:a16="http://schemas.microsoft.com/office/drawing/2014/main" id="{310EE379-589D-418E-8206-B7B963A470BA}"/>
+              </a:ext>
+            </a:extLst>
+          </p:cNvPr>
+          <p:cNvSpPr>
+            <a:spLocks noGrp="1"/>
+          </p:cNvSpPr>
+          <p:nvPr>
+            <p:ph type="title"/>
+          </p:nvPr>
+        </p:nvSpPr>
+        <p:spPr/>
+        <p:txBody>
+          <a:bodyPr/>
+          <a:lstStyle/>
+          <a:p>
+            <a:r>
+              <a:rPr lang="en-US" dirty="0"/>
+              <a:t>Missing Values</a:t>
+            </a:r>
+          </a:p>
+        </p:txBody>
+      </p:sp>
+      <p:pic>
+        <p:nvPicPr>
+          <p:cNvPr id="4" name="Picture 3">
+            <a:extLst>
+              <a:ext uri="{FF2B5EF4-FFF2-40B4-BE49-F238E27FC236}">
+                <a16:creationId xmlns:a16="http://schemas.microsoft.com/office/drawing/2014/main" id="{095D2A16-5D07-4CA8-9F25-C9EF1667A427}"/>
+              </a:ext>
+            </a:extLst>
+          </p:cNvPr>
+          <p:cNvPicPr>
+            <a:picLocks noChangeAspect="1"/>
+          </p:cNvPicPr>
+          <p:nvPr/>
+        </p:nvPicPr>
+        <p:blipFill>
+          <a:blip r:embed="rId2"/>
+          <a:stretch>
+            <a:fillRect/>
+          </a:stretch>
+        </p:blipFill>
+        <p:spPr>
+          <a:xfrm>
+            <a:off x="127746" y="1295400"/>
+            <a:ext cx="11936507" cy="4066143"/>
+          </a:xfrm>
+          <a:prstGeom prst="rect">
+            <a:avLst/>
+          </a:prstGeom>
+        </p:spPr>
+      </p:pic>
+      <p:sp>
+        <p:nvSpPr>
+          <p:cNvPr id="5" name="Rectangle 1">
+            <a:extLst>
+              <a:ext uri="{FF2B5EF4-FFF2-40B4-BE49-F238E27FC236}">
+                <a16:creationId xmlns:a16="http://schemas.microsoft.com/office/drawing/2014/main" id="{A0E79C80-1C99-4F8F-9A3B-9FF36DC901CF}"/>
+              </a:ext>
+            </a:extLst>
+          </p:cNvPr>
+          <p:cNvSpPr>
+            <a:spLocks noChangeArrowheads="1"/>
+          </p:cNvSpPr>
+          <p:nvPr/>
+        </p:nvSpPr>
+        <p:spPr bwMode="auto">
+          <a:xfrm>
+            <a:off x="2171700" y="5537706"/>
+            <a:ext cx="1876425" cy="769441"/>
+          </a:xfrm>
+          <a:prstGeom prst="rect">
+            <a:avLst/>
+          </a:prstGeom>
+          <a:solidFill>
+            <a:srgbClr val="FFFFFF"/>
+          </a:solidFill>
+          <a:ln>
+            <a:noFill/>
+          </a:ln>
+          <a:effectLst/>
+          <a:extLst>
+            <a:ext uri="{91240B29-F687-4F45-9708-019B960494DF}">
+              <a14:hiddenLine xmlns:a14="http://schemas.microsoft.com/office/drawing/2010/main" w="9525">
+                <a:solidFill>
+                  <a:schemeClr val="tx1"/>
+                </a:solidFill>
+                <a:miter lim="800000"/>
+                <a:headEnd/>
+                <a:tailEnd/>
+              </a14:hiddenLine>
+            </a:ext>
+            <a:ext uri="{AF507438-7753-43E0-B8FC-AC1667EBCBE1}">
+              <a14:hiddenEffects xmlns:a14="http://schemas.microsoft.com/office/drawing/2010/main">
+                <a:effectLst>
+                  <a:outerShdw dist="35921" dir="2700000" algn="ctr" rotWithShape="0">
+                    <a:schemeClr val="bg2"/>
+                  </a:outerShdw>
+                </a:effectLst>
+              </a14:hiddenEffects>
+            </a:ext>
+          </a:extLst>
+        </p:spPr>
+        <p:txBody>
+          <a:bodyPr vert="horz" wrap="square" lIns="0" tIns="0" rIns="0" bIns="0" numCol="1" anchor="ctr" anchorCtr="0" compatLnSpc="1">
+            <a:prstTxWarp prst="textNoShape">
+              <a:avLst/>
+            </a:prstTxWarp>
+            <a:spAutoFit/>
+          </a:bodyPr>
+          <a:lstStyle/>
+          <a:p>
+            <a:pPr marL="0" marR="0" lvl="0" indent="0" algn="l" defTabSz="914400" rtl="0" eaLnBrk="0" fontAlgn="base" latinLnBrk="0" hangingPunct="0">
+              <a:lnSpc>
+                <a:spcPct val="100000"/>
+              </a:lnSpc>
+              <a:spcBef>
+                <a:spcPct val="0"/>
+              </a:spcBef>
+              <a:spcAft>
+                <a:spcPct val="0"/>
+              </a:spcAft>
+              <a:buClrTx/>
+              <a:buSzTx/>
+              <a:buFontTx/>
+              <a:buNone/>
+              <a:tabLst/>
+            </a:pPr>
+            <a:r>
+              <a:rPr kumimoji="0" lang="en-US" altLang="en-US" sz="1600" b="0" i="0" u="none" strike="noStrike" cap="none" normalizeH="0" baseline="0" dirty="0">
+                <a:ln>
+                  <a:noFill/>
+                </a:ln>
+                <a:solidFill>
+                  <a:srgbClr val="0000FF"/>
+                </a:solidFill>
+                <a:effectLst/>
+                <a:latin typeface="Adobe Devanagari" panose="02040503050201020203" pitchFamily="18" charset="0"/>
+                <a:cs typeface="Adobe Devanagari" panose="02040503050201020203" pitchFamily="18" charset="0"/>
+              </a:rPr>
+              <a:t>table(is.na(</a:t>
+            </a:r>
+            <a:r>
+              <a:rPr kumimoji="0" lang="en-US" altLang="en-US" sz="1600" b="0" i="0" u="none" strike="noStrike" cap="none" normalizeH="0" baseline="0" dirty="0" err="1">
+                <a:ln>
+                  <a:noFill/>
+                </a:ln>
+                <a:solidFill>
+                  <a:srgbClr val="0000FF"/>
+                </a:solidFill>
+                <a:effectLst/>
+                <a:latin typeface="Adobe Devanagari" panose="02040503050201020203" pitchFamily="18" charset="0"/>
+                <a:cs typeface="Adobe Devanagari" panose="02040503050201020203" pitchFamily="18" charset="0"/>
+              </a:rPr>
+              <a:t>df$ABV</a:t>
+            </a:r>
+            <a:r>
+              <a:rPr kumimoji="0" lang="en-US" altLang="en-US" sz="1600" b="0" i="0" u="none" strike="noStrike" cap="none" normalizeH="0" baseline="0" dirty="0">
+                <a:ln>
+                  <a:noFill/>
+                </a:ln>
+                <a:solidFill>
+                  <a:srgbClr val="0000FF"/>
+                </a:solidFill>
+                <a:effectLst/>
+                <a:latin typeface="Adobe Devanagari" panose="02040503050201020203" pitchFamily="18" charset="0"/>
+                <a:cs typeface="Adobe Devanagari" panose="02040503050201020203" pitchFamily="18" charset="0"/>
+              </a:rPr>
+              <a:t>))</a:t>
+            </a:r>
+          </a:p>
+          <a:p>
+            <a:pPr marL="0" marR="0" lvl="0" indent="0" algn="l" defTabSz="914400" rtl="0" eaLnBrk="0" fontAlgn="base" latinLnBrk="0" hangingPunct="0">
+              <a:lnSpc>
+                <a:spcPct val="100000"/>
+              </a:lnSpc>
+              <a:spcBef>
+                <a:spcPct val="0"/>
+              </a:spcBef>
+              <a:spcAft>
+                <a:spcPct val="0"/>
+              </a:spcAft>
+              <a:buClrTx/>
+              <a:buSzTx/>
+              <a:buFontTx/>
+              <a:buNone/>
+              <a:tabLst/>
+            </a:pPr>
+            <a:r>
+              <a:rPr kumimoji="0" lang="en-US" altLang="en-US" sz="1600" b="0" i="0" u="none" strike="noStrike" cap="none" normalizeH="0" baseline="0" dirty="0">
+                <a:ln>
+                  <a:noFill/>
+                </a:ln>
+                <a:solidFill>
+                  <a:srgbClr val="0000FF"/>
+                </a:solidFill>
+                <a:effectLst/>
+                <a:latin typeface="Adobe Devanagari" panose="02040503050201020203" pitchFamily="18" charset="0"/>
+                <a:cs typeface="Adobe Devanagari" panose="02040503050201020203" pitchFamily="18" charset="0"/>
+              </a:rPr>
+              <a:t> </a:t>
+            </a:r>
+            <a:r>
+              <a:rPr kumimoji="0" lang="en-US" altLang="en-US" sz="1600" b="0" i="0" u="none" strike="noStrike" cap="none" normalizeH="0" baseline="0" dirty="0">
+                <a:ln>
+                  <a:noFill/>
+                </a:ln>
+                <a:solidFill>
+                  <a:srgbClr val="000000"/>
+                </a:solidFill>
+                <a:effectLst/>
+                <a:latin typeface="Adobe Devanagari" panose="02040503050201020203" pitchFamily="18" charset="0"/>
+                <a:cs typeface="Adobe Devanagari" panose="02040503050201020203" pitchFamily="18" charset="0"/>
+              </a:rPr>
+              <a:t>FALSE TRUE </a:t>
+            </a:r>
+          </a:p>
+          <a:p>
+            <a:pPr marL="0" marR="0" lvl="0" indent="0" algn="l" defTabSz="914400" rtl="0" eaLnBrk="0" fontAlgn="base" latinLnBrk="0" hangingPunct="0">
+              <a:lnSpc>
+                <a:spcPct val="100000"/>
+              </a:lnSpc>
+              <a:spcBef>
+                <a:spcPct val="0"/>
+              </a:spcBef>
+              <a:spcAft>
+                <a:spcPct val="0"/>
+              </a:spcAft>
+              <a:buClrTx/>
+              <a:buSzTx/>
+              <a:buFontTx/>
+              <a:buNone/>
+              <a:tabLst/>
+            </a:pPr>
+            <a:r>
+              <a:rPr kumimoji="0" lang="en-US" altLang="en-US" sz="1600" b="0" i="0" u="none" strike="noStrike" cap="none" normalizeH="0" baseline="0" dirty="0">
+                <a:ln>
+                  <a:noFill/>
+                </a:ln>
+                <a:solidFill>
+                  <a:srgbClr val="000000"/>
+                </a:solidFill>
+                <a:effectLst/>
+                <a:latin typeface="Adobe Devanagari" panose="02040503050201020203" pitchFamily="18" charset="0"/>
+                <a:cs typeface="Adobe Devanagari" panose="02040503050201020203" pitchFamily="18" charset="0"/>
+              </a:rPr>
+              <a:t>2348    </a:t>
+            </a:r>
+            <a:r>
+              <a:rPr kumimoji="0" lang="en-US" altLang="en-US" sz="1800" b="0" i="0" u="none" strike="noStrike" cap="none" normalizeH="0" baseline="0" dirty="0">
+                <a:ln>
+                  <a:noFill/>
+                </a:ln>
+                <a:solidFill>
+                  <a:srgbClr val="000000"/>
+                </a:solidFill>
+                <a:effectLst/>
+                <a:latin typeface="Adobe Devanagari" panose="02040503050201020203" pitchFamily="18" charset="0"/>
+                <a:cs typeface="Adobe Devanagari" panose="02040503050201020203" pitchFamily="18" charset="0"/>
+              </a:rPr>
+              <a:t> 62</a:t>
+            </a:r>
+          </a:p>
+        </p:txBody>
+      </p:sp>
+      <p:sp>
+        <p:nvSpPr>
+          <p:cNvPr id="7" name="TextBox 6">
+            <a:extLst>
+              <a:ext uri="{FF2B5EF4-FFF2-40B4-BE49-F238E27FC236}">
+                <a16:creationId xmlns:a16="http://schemas.microsoft.com/office/drawing/2014/main" id="{83FA7CB0-50A7-4EB7-9EF2-F45C2862DB6B}"/>
+              </a:ext>
+            </a:extLst>
+          </p:cNvPr>
+          <p:cNvSpPr txBox="1"/>
+          <p:nvPr/>
+        </p:nvSpPr>
+        <p:spPr>
+          <a:xfrm>
+            <a:off x="4219573" y="5476150"/>
+            <a:ext cx="1876426" cy="830997"/>
+          </a:xfrm>
+          <a:prstGeom prst="rect">
+            <a:avLst/>
+          </a:prstGeom>
+          <a:noFill/>
+        </p:spPr>
+        <p:txBody>
+          <a:bodyPr wrap="square">
+            <a:spAutoFit/>
+          </a:bodyPr>
+          <a:lstStyle/>
+          <a:p>
+            <a:pPr marL="0" marR="0" lvl="0" indent="0" algn="l" defTabSz="914400" rtl="0" eaLnBrk="0" fontAlgn="base" latinLnBrk="0" hangingPunct="0">
+              <a:lnSpc>
+                <a:spcPct val="100000"/>
+              </a:lnSpc>
+              <a:spcBef>
+                <a:spcPct val="0"/>
+              </a:spcBef>
+              <a:spcAft>
+                <a:spcPct val="0"/>
+              </a:spcAft>
+              <a:buClrTx/>
+              <a:buSzTx/>
+              <a:buFontTx/>
+              <a:buNone/>
+              <a:tabLst/>
+            </a:pPr>
+            <a:r>
+              <a:rPr kumimoji="0" lang="en-US" altLang="en-US" sz="1600" b="0" i="0" u="none" strike="noStrike" cap="none" normalizeH="0" baseline="0" dirty="0">
+                <a:ln>
+                  <a:noFill/>
+                </a:ln>
+                <a:solidFill>
+                  <a:srgbClr val="0000FF"/>
+                </a:solidFill>
+                <a:effectLst/>
+                <a:latin typeface="Adobe Devanagari" panose="02040503050201020203" pitchFamily="18" charset="0"/>
+                <a:cs typeface="Adobe Devanagari" panose="02040503050201020203" pitchFamily="18" charset="0"/>
+              </a:rPr>
+              <a:t>table(is.na(</a:t>
+            </a:r>
+            <a:r>
+              <a:rPr kumimoji="0" lang="en-US" altLang="en-US" sz="1600" b="0" i="0" u="none" strike="noStrike" cap="none" normalizeH="0" baseline="0" dirty="0" err="1">
+                <a:ln>
+                  <a:noFill/>
+                </a:ln>
+                <a:solidFill>
+                  <a:srgbClr val="0000FF"/>
+                </a:solidFill>
+                <a:effectLst/>
+                <a:latin typeface="Adobe Devanagari" panose="02040503050201020203" pitchFamily="18" charset="0"/>
+                <a:cs typeface="Adobe Devanagari" panose="02040503050201020203" pitchFamily="18" charset="0"/>
+              </a:rPr>
+              <a:t>df$IBU</a:t>
+            </a:r>
+            <a:r>
+              <a:rPr kumimoji="0" lang="en-US" altLang="en-US" sz="1600" b="0" i="0" u="none" strike="noStrike" cap="none" normalizeH="0" baseline="0" dirty="0">
+                <a:ln>
+                  <a:noFill/>
+                </a:ln>
+                <a:solidFill>
+                  <a:srgbClr val="0000FF"/>
+                </a:solidFill>
+                <a:effectLst/>
+                <a:latin typeface="Adobe Devanagari" panose="02040503050201020203" pitchFamily="18" charset="0"/>
+                <a:cs typeface="Adobe Devanagari" panose="02040503050201020203" pitchFamily="18" charset="0"/>
+              </a:rPr>
+              <a:t>)) </a:t>
+            </a:r>
+          </a:p>
+          <a:p>
+            <a:pPr marL="0" marR="0" lvl="0" indent="0" algn="l" defTabSz="914400" rtl="0" eaLnBrk="0" fontAlgn="base" latinLnBrk="0" hangingPunct="0">
+              <a:lnSpc>
+                <a:spcPct val="100000"/>
+              </a:lnSpc>
+              <a:spcBef>
+                <a:spcPct val="0"/>
+              </a:spcBef>
+              <a:spcAft>
+                <a:spcPct val="0"/>
+              </a:spcAft>
+              <a:buClrTx/>
+              <a:buSzTx/>
+              <a:buFontTx/>
+              <a:buNone/>
+              <a:tabLst/>
+            </a:pPr>
+            <a:r>
+              <a:rPr kumimoji="0" lang="en-US" altLang="en-US" sz="1600" b="0" i="0" u="none" strike="noStrike" cap="none" normalizeH="0" baseline="0" dirty="0">
+                <a:ln>
+                  <a:noFill/>
+                </a:ln>
+                <a:solidFill>
+                  <a:srgbClr val="000000"/>
+                </a:solidFill>
+                <a:effectLst/>
+                <a:latin typeface="Adobe Devanagari" panose="02040503050201020203" pitchFamily="18" charset="0"/>
+                <a:cs typeface="Adobe Devanagari" panose="02040503050201020203" pitchFamily="18" charset="0"/>
+              </a:rPr>
+              <a:t>FALSE TRUE </a:t>
+            </a:r>
+          </a:p>
+          <a:p>
+            <a:pPr marL="0" marR="0" lvl="0" indent="0" algn="l" defTabSz="914400" rtl="0" eaLnBrk="0" fontAlgn="base" latinLnBrk="0" hangingPunct="0">
+              <a:lnSpc>
+                <a:spcPct val="100000"/>
+              </a:lnSpc>
+              <a:spcBef>
+                <a:spcPct val="0"/>
+              </a:spcBef>
+              <a:spcAft>
+                <a:spcPct val="0"/>
+              </a:spcAft>
+              <a:buClrTx/>
+              <a:buSzTx/>
+              <a:buFontTx/>
+              <a:buNone/>
+              <a:tabLst/>
+            </a:pPr>
+            <a:r>
+              <a:rPr kumimoji="0" lang="en-US" altLang="en-US" sz="1600" b="0" i="0" u="none" strike="noStrike" cap="none" normalizeH="0" baseline="0" dirty="0">
+                <a:ln>
+                  <a:noFill/>
+                </a:ln>
+                <a:solidFill>
+                  <a:srgbClr val="000000"/>
+                </a:solidFill>
+                <a:effectLst/>
+                <a:latin typeface="Adobe Devanagari" panose="02040503050201020203" pitchFamily="18" charset="0"/>
+                <a:cs typeface="Adobe Devanagari" panose="02040503050201020203" pitchFamily="18" charset="0"/>
+              </a:rPr>
+              <a:t>1405     1005</a:t>
+            </a:r>
+            <a:endParaRPr kumimoji="0" lang="en-US" altLang="en-US" sz="1600" b="0" i="0" u="none" strike="noStrike" cap="none" normalizeH="0" baseline="0" dirty="0">
+              <a:ln>
+                <a:noFill/>
+              </a:ln>
+              <a:solidFill>
+                <a:schemeClr val="tx1"/>
+              </a:solidFill>
+              <a:effectLst/>
+              <a:latin typeface="Adobe Devanagari" panose="02040503050201020203" pitchFamily="18" charset="0"/>
+              <a:cs typeface="Adobe Devanagari" panose="02040503050201020203" pitchFamily="18" charset="0"/>
+            </a:endParaRPr>
+          </a:p>
+        </p:txBody>
+      </p:sp>
+      <p:sp>
+        <p:nvSpPr>
+          <p:cNvPr id="9" name="TextBox 8">
+            <a:extLst>
+              <a:ext uri="{FF2B5EF4-FFF2-40B4-BE49-F238E27FC236}">
+                <a16:creationId xmlns:a16="http://schemas.microsoft.com/office/drawing/2014/main" id="{70A817C0-8DCD-41C0-B8C0-BC9F478681D6}"/>
+              </a:ext>
+            </a:extLst>
+          </p:cNvPr>
+          <p:cNvSpPr txBox="1"/>
+          <p:nvPr/>
+        </p:nvSpPr>
+        <p:spPr>
+          <a:xfrm>
+            <a:off x="6391275" y="5445373"/>
+            <a:ext cx="1962150" cy="861774"/>
+          </a:xfrm>
+          <a:prstGeom prst="rect">
+            <a:avLst/>
+          </a:prstGeom>
+          <a:noFill/>
+        </p:spPr>
+        <p:txBody>
+          <a:bodyPr wrap="square">
+            <a:spAutoFit/>
+          </a:bodyPr>
+          <a:lstStyle/>
+          <a:p>
+            <a:pPr marL="0" marR="0" lvl="0" indent="0" algn="l" defTabSz="914400" rtl="0" eaLnBrk="0" fontAlgn="base" latinLnBrk="0" hangingPunct="0">
+              <a:lnSpc>
+                <a:spcPct val="100000"/>
+              </a:lnSpc>
+              <a:spcBef>
+                <a:spcPct val="0"/>
+              </a:spcBef>
+              <a:spcAft>
+                <a:spcPct val="0"/>
+              </a:spcAft>
+              <a:buClrTx/>
+              <a:buSzTx/>
+              <a:buFontTx/>
+              <a:buNone/>
+              <a:tabLst/>
+            </a:pPr>
+            <a:r>
+              <a:rPr kumimoji="0" lang="en-US" altLang="en-US" sz="1800" b="0" i="0" u="none" strike="noStrike" cap="none" normalizeH="0" baseline="0" dirty="0">
+                <a:ln>
+                  <a:noFill/>
+                </a:ln>
+                <a:solidFill>
+                  <a:srgbClr val="000000"/>
+                </a:solidFill>
+                <a:effectLst/>
+                <a:latin typeface="Adobe Devanagari" panose="02040503050201020203" pitchFamily="18" charset="0"/>
+                <a:cs typeface="Adobe Devanagari" panose="02040503050201020203" pitchFamily="18" charset="0"/>
+              </a:rPr>
+              <a:t> </a:t>
+            </a:r>
+            <a:r>
+              <a:rPr kumimoji="0" lang="en-US" altLang="en-US" sz="1600" b="0" i="0" u="none" strike="noStrike" cap="none" normalizeH="0" baseline="0" dirty="0">
+                <a:ln>
+                  <a:noFill/>
+                </a:ln>
+                <a:solidFill>
+                  <a:srgbClr val="0000FF"/>
+                </a:solidFill>
+                <a:effectLst/>
+                <a:latin typeface="Adobe Devanagari" panose="02040503050201020203" pitchFamily="18" charset="0"/>
+                <a:cs typeface="Adobe Devanagari" panose="02040503050201020203" pitchFamily="18" charset="0"/>
+              </a:rPr>
+              <a:t>table(is.na(</a:t>
+            </a:r>
+            <a:r>
+              <a:rPr kumimoji="0" lang="en-US" altLang="en-US" sz="1600" b="0" i="0" u="none" strike="noStrike" cap="none" normalizeH="0" baseline="0" dirty="0" err="1">
+                <a:ln>
+                  <a:noFill/>
+                </a:ln>
+                <a:solidFill>
+                  <a:srgbClr val="0000FF"/>
+                </a:solidFill>
+                <a:effectLst/>
+                <a:latin typeface="Adobe Devanagari" panose="02040503050201020203" pitchFamily="18" charset="0"/>
+                <a:cs typeface="Adobe Devanagari" panose="02040503050201020203" pitchFamily="18" charset="0"/>
+              </a:rPr>
+              <a:t>df$Style</a:t>
+            </a:r>
+            <a:r>
+              <a:rPr kumimoji="0" lang="en-US" altLang="en-US" sz="1600" b="0" i="0" u="none" strike="noStrike" cap="none" normalizeH="0" baseline="0" dirty="0">
+                <a:ln>
+                  <a:noFill/>
+                </a:ln>
+                <a:solidFill>
+                  <a:srgbClr val="0000FF"/>
+                </a:solidFill>
+                <a:effectLst/>
+                <a:latin typeface="Adobe Devanagari" panose="02040503050201020203" pitchFamily="18" charset="0"/>
+                <a:cs typeface="Adobe Devanagari" panose="02040503050201020203" pitchFamily="18" charset="0"/>
+              </a:rPr>
+              <a:t>)) </a:t>
+            </a:r>
+          </a:p>
+          <a:p>
+            <a:pPr marL="0" marR="0" lvl="0" indent="0" algn="l" defTabSz="914400" rtl="0" eaLnBrk="0" fontAlgn="base" latinLnBrk="0" hangingPunct="0">
+              <a:lnSpc>
+                <a:spcPct val="100000"/>
+              </a:lnSpc>
+              <a:spcBef>
+                <a:spcPct val="0"/>
+              </a:spcBef>
+              <a:spcAft>
+                <a:spcPct val="0"/>
+              </a:spcAft>
+              <a:buClrTx/>
+              <a:buSzTx/>
+              <a:buFontTx/>
+              <a:buNone/>
+              <a:tabLst/>
+            </a:pPr>
+            <a:r>
+              <a:rPr kumimoji="0" lang="en-US" altLang="en-US" sz="1600" b="0" i="0" u="none" strike="noStrike" cap="none" normalizeH="0" baseline="0" dirty="0">
+                <a:ln>
+                  <a:noFill/>
+                </a:ln>
+                <a:solidFill>
+                  <a:srgbClr val="000000"/>
+                </a:solidFill>
+                <a:effectLst/>
+                <a:latin typeface="Adobe Devanagari" panose="02040503050201020203" pitchFamily="18" charset="0"/>
+                <a:cs typeface="Adobe Devanagari" panose="02040503050201020203" pitchFamily="18" charset="0"/>
+              </a:rPr>
+              <a:t>FALSE TRUE </a:t>
+            </a:r>
+          </a:p>
+          <a:p>
+            <a:pPr marL="0" marR="0" lvl="0" indent="0" algn="l" defTabSz="914400" rtl="0" eaLnBrk="0" fontAlgn="base" latinLnBrk="0" hangingPunct="0">
+              <a:lnSpc>
+                <a:spcPct val="100000"/>
+              </a:lnSpc>
+              <a:spcBef>
+                <a:spcPct val="0"/>
+              </a:spcBef>
+              <a:spcAft>
+                <a:spcPct val="0"/>
+              </a:spcAft>
+              <a:buClrTx/>
+              <a:buSzTx/>
+              <a:buFontTx/>
+              <a:buNone/>
+              <a:tabLst/>
+            </a:pPr>
+            <a:r>
+              <a:rPr kumimoji="0" lang="en-US" altLang="en-US" sz="1600" b="0" i="0" u="none" strike="noStrike" cap="none" normalizeH="0" baseline="0" dirty="0">
+                <a:ln>
+                  <a:noFill/>
+                </a:ln>
+                <a:solidFill>
+                  <a:srgbClr val="000000"/>
+                </a:solidFill>
+                <a:effectLst/>
+                <a:latin typeface="Adobe Devanagari" panose="02040503050201020203" pitchFamily="18" charset="0"/>
+                <a:cs typeface="Adobe Devanagari" panose="02040503050201020203" pitchFamily="18" charset="0"/>
+              </a:rPr>
+              <a:t>2405      5 </a:t>
+            </a:r>
+            <a:endParaRPr kumimoji="0" lang="en-US" altLang="en-US" sz="1600" b="0" i="0" u="none" strike="noStrike" cap="none" normalizeH="0" baseline="0" dirty="0">
+              <a:ln>
+                <a:noFill/>
+              </a:ln>
+              <a:solidFill>
+                <a:schemeClr val="tx1"/>
+              </a:solidFill>
+              <a:effectLst/>
+              <a:latin typeface="Adobe Devanagari" panose="02040503050201020203" pitchFamily="18" charset="0"/>
+              <a:cs typeface="Adobe Devanagari" panose="02040503050201020203" pitchFamily="18" charset="0"/>
+            </a:endParaRPr>
+          </a:p>
+        </p:txBody>
+      </p:sp>
+      <p:cxnSp>
+        <p:nvCxnSpPr>
+          <p:cNvPr id="11" name="Straight Connector 10">
+            <a:extLst>
+              <a:ext uri="{FF2B5EF4-FFF2-40B4-BE49-F238E27FC236}">
+                <a16:creationId xmlns:a16="http://schemas.microsoft.com/office/drawing/2014/main" id="{2A0084BD-B1E8-4B59-883C-56A9DA1D63C8}"/>
+              </a:ext>
+            </a:extLst>
+          </p:cNvPr>
+          <p:cNvCxnSpPr/>
+          <p:nvPr/>
+        </p:nvCxnSpPr>
+        <p:spPr>
+          <a:xfrm>
+            <a:off x="4048125" y="5537706"/>
+            <a:ext cx="0" cy="844044"/>
+          </a:xfrm>
+          <a:prstGeom prst="line">
+            <a:avLst/>
+          </a:prstGeom>
+        </p:spPr>
+        <p:style>
+          <a:lnRef idx="1">
+            <a:schemeClr val="accent1"/>
+          </a:lnRef>
+          <a:fillRef idx="0">
+            <a:schemeClr val="accent1"/>
+          </a:fillRef>
+          <a:effectRef idx="0">
+            <a:schemeClr val="accent1"/>
+          </a:effectRef>
+          <a:fontRef idx="minor">
+            <a:schemeClr val="tx1"/>
+          </a:fontRef>
+        </p:style>
+      </p:cxnSp>
+      <p:cxnSp>
+        <p:nvCxnSpPr>
+          <p:cNvPr id="12" name="Straight Connector 11">
+            <a:extLst>
+              <a:ext uri="{FF2B5EF4-FFF2-40B4-BE49-F238E27FC236}">
+                <a16:creationId xmlns:a16="http://schemas.microsoft.com/office/drawing/2014/main" id="{1253692B-5EE3-4F91-8218-33065CD8DF89}"/>
+              </a:ext>
+            </a:extLst>
+          </p:cNvPr>
+          <p:cNvCxnSpPr/>
+          <p:nvPr/>
+        </p:nvCxnSpPr>
+        <p:spPr>
+          <a:xfrm>
+            <a:off x="6210300" y="5537706"/>
+            <a:ext cx="0" cy="844044"/>
+          </a:xfrm>
+          <a:prstGeom prst="line">
+            <a:avLst/>
+          </a:prstGeom>
+        </p:spPr>
+        <p:style>
+          <a:lnRef idx="1">
+            <a:schemeClr val="accent1"/>
+          </a:lnRef>
+          <a:fillRef idx="0">
+            <a:schemeClr val="accent1"/>
+          </a:fillRef>
+          <a:effectRef idx="0">
+            <a:schemeClr val="accent1"/>
+          </a:effectRef>
+          <a:fontRef idx="minor">
+            <a:schemeClr val="tx1"/>
+          </a:fontRef>
+        </p:style>
+      </p:cxnSp>
+      <p:sp>
+        <p:nvSpPr>
+          <p:cNvPr id="13" name="TextBox 12">
+            <a:extLst>
+              <a:ext uri="{FF2B5EF4-FFF2-40B4-BE49-F238E27FC236}">
+                <a16:creationId xmlns:a16="http://schemas.microsoft.com/office/drawing/2014/main" id="{B2D37FE7-B338-48EF-BA08-1F5E08D2C14E}"/>
+              </a:ext>
+            </a:extLst>
+          </p:cNvPr>
+          <p:cNvSpPr txBox="1"/>
+          <p:nvPr/>
+        </p:nvSpPr>
+        <p:spPr>
+          <a:xfrm>
+            <a:off x="2095500" y="5068565"/>
+            <a:ext cx="2431371" cy="369332"/>
+          </a:xfrm>
+          <a:prstGeom prst="rect">
+            <a:avLst/>
+          </a:prstGeom>
+          <a:noFill/>
+        </p:spPr>
+        <p:txBody>
+          <a:bodyPr wrap="none" rtlCol="0">
+            <a:spAutoFit/>
+          </a:bodyPr>
+          <a:lstStyle/>
+          <a:p>
+            <a:r>
+              <a:rPr lang="en-US" b="1" dirty="0"/>
+              <a:t>Count of missing values</a:t>
+            </a:r>
+          </a:p>
+        </p:txBody>
+      </p:sp>
+    </p:spTree>
+    <p:extLst>
+      <p:ext uri="{BB962C8B-B14F-4D97-AF65-F5344CB8AC3E}">
+        <p14:creationId xmlns:p14="http://schemas.microsoft.com/office/powerpoint/2010/main" val="3838740922"/>
+      </p:ext>
+    </p:extLst>
+  </p:cSld>
+  <p:clrMapOvr>
+    <a:masterClrMapping/>
+  </p:clrMapOvr>
+</p:sld>
+</file>
+
+<file path=ppt/slides/slide13.xml><?xml version="1.0" encoding="utf-8"?>
+<p:sld xmlns:a="http://schemas.openxmlformats.org/drawingml/2006/main" xmlns:r="http://schemas.openxmlformats.org/officeDocument/2006/relationships" xmlns:p="http://schemas.openxmlformats.org/presentationml/2006/main">
+  <p:cSld>
+    <p:spTree>
+      <p:nvGrpSpPr>
+        <p:cNvPr id="1" name=""/>
+        <p:cNvGrpSpPr/>
+        <p:nvPr/>
+      </p:nvGrpSpPr>
+      <p:grpSpPr>
+        <a:xfrm>
+          <a:off x="0" y="0"/>
+          <a:ext cx="0" cy="0"/>
+          <a:chOff x="0" y="0"/>
+          <a:chExt cx="0" cy="0"/>
+        </a:xfrm>
+      </p:grpSpPr>
+      <p:sp>
+        <p:nvSpPr>
+          <p:cNvPr id="2" name="Title 1">
+            <a:extLst>
+              <a:ext uri="{FF2B5EF4-FFF2-40B4-BE49-F238E27FC236}">
+                <a16:creationId xmlns:a16="http://schemas.microsoft.com/office/drawing/2014/main" id="{9B1BC286-90EA-4A18-9672-56FCDC958062}"/>
+              </a:ext>
+            </a:extLst>
+          </p:cNvPr>
+          <p:cNvSpPr>
+            <a:spLocks noGrp="1"/>
+          </p:cNvSpPr>
+          <p:nvPr>
+            <p:ph type="title"/>
+          </p:nvPr>
+        </p:nvSpPr>
+        <p:spPr/>
+        <p:txBody>
+          <a:bodyPr/>
+          <a:lstStyle/>
+          <a:p>
+            <a:r>
+              <a:rPr lang="en-US" dirty="0"/>
+              <a:t>Beers with Missing Styles</a:t>
+            </a:r>
+          </a:p>
+        </p:txBody>
+      </p:sp>
+      <p:sp>
+        <p:nvSpPr>
+          <p:cNvPr id="5" name="Rectangle 2">
+            <a:extLst>
+              <a:ext uri="{FF2B5EF4-FFF2-40B4-BE49-F238E27FC236}">
+                <a16:creationId xmlns:a16="http://schemas.microsoft.com/office/drawing/2014/main" id="{09DD3F43-3C73-476A-A308-0E6E00DDCBDA}"/>
+              </a:ext>
+            </a:extLst>
+          </p:cNvPr>
+          <p:cNvSpPr>
+            <a:spLocks noChangeArrowheads="1"/>
+          </p:cNvSpPr>
+          <p:nvPr/>
+        </p:nvSpPr>
+        <p:spPr bwMode="auto">
+          <a:xfrm>
+            <a:off x="1057275" y="2229447"/>
+            <a:ext cx="10515600" cy="1846659"/>
+          </a:xfrm>
+          <a:prstGeom prst="rect">
+            <a:avLst/>
+          </a:prstGeom>
+          <a:solidFill>
+            <a:srgbClr val="FFFFFF"/>
+          </a:solidFill>
+          <a:ln>
+            <a:noFill/>
+          </a:ln>
+          <a:effectLst/>
+          <a:extLst>
+            <a:ext uri="{91240B29-F687-4F45-9708-019B960494DF}">
+              <a14:hiddenLine xmlns:a14="http://schemas.microsoft.com/office/drawing/2010/main" w="9525">
+                <a:solidFill>
+                  <a:schemeClr val="tx1"/>
+                </a:solidFill>
+                <a:miter lim="800000"/>
+                <a:headEnd/>
+                <a:tailEnd/>
+              </a14:hiddenLine>
+            </a:ext>
+            <a:ext uri="{AF507438-7753-43E0-B8FC-AC1667EBCBE1}">
+              <a14:hiddenEffects xmlns:a14="http://schemas.microsoft.com/office/drawing/2010/main">
+                <a:effectLst>
+                  <a:outerShdw dist="35921" dir="2700000" algn="ctr" rotWithShape="0">
+                    <a:schemeClr val="bg2"/>
+                  </a:outerShdw>
+                </a:effectLst>
+              </a14:hiddenEffects>
+            </a:ext>
+          </a:extLst>
+        </p:spPr>
+        <p:txBody>
+          <a:bodyPr vert="horz" wrap="square" lIns="0" tIns="0" rIns="0" bIns="0" numCol="1" anchor="ctr" anchorCtr="0" compatLnSpc="1">
+            <a:prstTxWarp prst="textNoShape">
+              <a:avLst/>
+            </a:prstTxWarp>
+            <a:spAutoFit/>
+          </a:bodyPr>
+          <a:lstStyle/>
+          <a:p>
+            <a:pPr marL="0" marR="0" lvl="0" indent="0" algn="l" defTabSz="914400" rtl="0" eaLnBrk="0" fontAlgn="base" latinLnBrk="0" hangingPunct="0">
+              <a:lnSpc>
+                <a:spcPct val="100000"/>
+              </a:lnSpc>
+              <a:spcBef>
+                <a:spcPct val="0"/>
+              </a:spcBef>
+              <a:spcAft>
+                <a:spcPct val="0"/>
+              </a:spcAft>
+              <a:buClrTx/>
+              <a:buSzTx/>
+              <a:buFontTx/>
+              <a:buNone/>
+              <a:tabLst/>
+            </a:pPr>
+            <a:r>
+              <a:rPr kumimoji="0" lang="en-US" altLang="en-US" sz="2000" b="0" i="0" u="none" strike="noStrike" cap="none" normalizeH="0" baseline="0" dirty="0" err="1">
+                <a:ln>
+                  <a:noFill/>
+                </a:ln>
+                <a:solidFill>
+                  <a:srgbClr val="000000"/>
+                </a:solidFill>
+                <a:effectLst/>
+                <a:latin typeface="Adobe Devanagari" panose="02040503050201020203" pitchFamily="18" charset="0"/>
+                <a:cs typeface="Adobe Devanagari" panose="02040503050201020203" pitchFamily="18" charset="0"/>
+              </a:rPr>
+              <a:t>Brewery_id</a:t>
+            </a:r>
+            <a:r>
+              <a:rPr kumimoji="0" lang="en-US" altLang="en-US" sz="2000" b="0" i="0" u="none" strike="noStrike" cap="none" normalizeH="0" baseline="0" dirty="0">
+                <a:ln>
+                  <a:noFill/>
+                </a:ln>
+                <a:solidFill>
+                  <a:srgbClr val="000000"/>
+                </a:solidFill>
+                <a:effectLst/>
+                <a:latin typeface="Adobe Devanagari" panose="02040503050201020203" pitchFamily="18" charset="0"/>
+                <a:cs typeface="Adobe Devanagari" panose="02040503050201020203" pitchFamily="18" charset="0"/>
+              </a:rPr>
+              <a:t> </a:t>
+            </a:r>
+            <a:r>
+              <a:rPr kumimoji="0" lang="en-US" altLang="en-US" sz="2000" b="0" i="0" u="none" strike="noStrike" cap="none" normalizeH="0" baseline="0" dirty="0" err="1">
+                <a:ln>
+                  <a:noFill/>
+                </a:ln>
+                <a:solidFill>
+                  <a:srgbClr val="000000"/>
+                </a:solidFill>
+                <a:effectLst/>
+                <a:latin typeface="Adobe Devanagari" panose="02040503050201020203" pitchFamily="18" charset="0"/>
+                <a:cs typeface="Adobe Devanagari" panose="02040503050201020203" pitchFamily="18" charset="0"/>
+              </a:rPr>
+              <a:t>Beer_Name</a:t>
+            </a:r>
+            <a:r>
+              <a:rPr kumimoji="0" lang="en-US" altLang="en-US" sz="2000" b="0" i="0" u="none" strike="noStrike" cap="none" normalizeH="0" baseline="0" dirty="0">
+                <a:ln>
+                  <a:noFill/>
+                </a:ln>
+                <a:solidFill>
+                  <a:srgbClr val="000000"/>
+                </a:solidFill>
+                <a:effectLst/>
+                <a:latin typeface="Adobe Devanagari" panose="02040503050201020203" pitchFamily="18" charset="0"/>
+                <a:cs typeface="Adobe Devanagari" panose="02040503050201020203" pitchFamily="18" charset="0"/>
+              </a:rPr>
+              <a:t>                                </a:t>
+            </a:r>
+            <a:r>
+              <a:rPr kumimoji="0" lang="en-US" altLang="en-US" sz="2000" b="0" i="0" u="none" strike="noStrike" cap="none" normalizeH="0" baseline="0" dirty="0" err="1">
+                <a:ln>
+                  <a:noFill/>
+                </a:ln>
+                <a:solidFill>
+                  <a:srgbClr val="000000"/>
+                </a:solidFill>
+                <a:effectLst/>
+                <a:latin typeface="Adobe Devanagari" panose="02040503050201020203" pitchFamily="18" charset="0"/>
+                <a:cs typeface="Adobe Devanagari" panose="02040503050201020203" pitchFamily="18" charset="0"/>
+              </a:rPr>
+              <a:t>Beer_ID</a:t>
+            </a:r>
+            <a:r>
+              <a:rPr kumimoji="0" lang="en-US" altLang="en-US" sz="2000" b="0" i="0" u="none" strike="noStrike" cap="none" normalizeH="0" baseline="0" dirty="0">
+                <a:ln>
+                  <a:noFill/>
+                </a:ln>
+                <a:solidFill>
+                  <a:srgbClr val="000000"/>
+                </a:solidFill>
+                <a:effectLst/>
+                <a:latin typeface="Adobe Devanagari" panose="02040503050201020203" pitchFamily="18" charset="0"/>
+                <a:cs typeface="Adobe Devanagari" panose="02040503050201020203" pitchFamily="18" charset="0"/>
+              </a:rPr>
+              <a:t> ABV IBU Style    Ounces </a:t>
+            </a:r>
+          </a:p>
+          <a:p>
+            <a:pPr marL="0" marR="0" lvl="0" indent="0" algn="l" defTabSz="914400" rtl="0" eaLnBrk="0" fontAlgn="base" latinLnBrk="0" hangingPunct="0">
+              <a:lnSpc>
+                <a:spcPct val="100000"/>
+              </a:lnSpc>
+              <a:spcBef>
+                <a:spcPct val="0"/>
+              </a:spcBef>
+              <a:spcAft>
+                <a:spcPct val="0"/>
+              </a:spcAft>
+              <a:buClrTx/>
+              <a:buSzTx/>
+              <a:buFontTx/>
+              <a:buNone/>
+              <a:tabLst/>
+            </a:pPr>
+            <a:r>
+              <a:rPr lang="en-US" altLang="en-US" sz="2000" dirty="0">
+                <a:solidFill>
+                  <a:srgbClr val="000000"/>
+                </a:solidFill>
+                <a:latin typeface="Adobe Devanagari" panose="02040503050201020203" pitchFamily="18" charset="0"/>
+                <a:cs typeface="Adobe Devanagari" panose="02040503050201020203" pitchFamily="18" charset="0"/>
+              </a:rPr>
+              <a:t>  </a:t>
+            </a:r>
+            <a:r>
+              <a:rPr kumimoji="0" lang="en-US" altLang="en-US" sz="2000" b="0" i="0" u="none" strike="noStrike" cap="none" normalizeH="0" baseline="0" dirty="0">
+                <a:ln>
+                  <a:noFill/>
+                </a:ln>
+                <a:solidFill>
+                  <a:srgbClr val="000000"/>
+                </a:solidFill>
+                <a:effectLst/>
+                <a:latin typeface="Adobe Devanagari" panose="02040503050201020203" pitchFamily="18" charset="0"/>
+                <a:cs typeface="Adobe Devanagari" panose="02040503050201020203" pitchFamily="18" charset="0"/>
+              </a:rPr>
+              <a:t>227        30 Special Release                           2210        NA     </a:t>
+            </a:r>
+            <a:r>
+              <a:rPr kumimoji="0" lang="en-US" altLang="en-US" sz="2000" b="0" i="0" u="none" strike="noStrike" cap="none" normalizeH="0" baseline="0" dirty="0" err="1">
+                <a:ln>
+                  <a:noFill/>
+                </a:ln>
+                <a:solidFill>
+                  <a:srgbClr val="000000"/>
+                </a:solidFill>
+                <a:effectLst/>
+                <a:latin typeface="Adobe Devanagari" panose="02040503050201020203" pitchFamily="18" charset="0"/>
+                <a:cs typeface="Adobe Devanagari" panose="02040503050201020203" pitchFamily="18" charset="0"/>
+              </a:rPr>
+              <a:t>NA</a:t>
+            </a:r>
+            <a:r>
+              <a:rPr kumimoji="0" lang="en-US" altLang="en-US" sz="2000" b="0" i="0" u="none" strike="noStrike" cap="none" normalizeH="0" baseline="0" dirty="0">
+                <a:ln>
+                  <a:noFill/>
+                </a:ln>
+                <a:solidFill>
+                  <a:srgbClr val="000000"/>
+                </a:solidFill>
+                <a:effectLst/>
+                <a:latin typeface="Adobe Devanagari" panose="02040503050201020203" pitchFamily="18" charset="0"/>
+                <a:cs typeface="Adobe Devanagari" panose="02040503050201020203" pitchFamily="18" charset="0"/>
+              </a:rPr>
+              <a:t> &lt;NA&gt;   16 </a:t>
+            </a:r>
+          </a:p>
+          <a:p>
+            <a:pPr marL="0" marR="0" lvl="0" indent="0" algn="l" defTabSz="914400" rtl="0" eaLnBrk="0" fontAlgn="base" latinLnBrk="0" hangingPunct="0">
+              <a:lnSpc>
+                <a:spcPct val="100000"/>
+              </a:lnSpc>
+              <a:spcBef>
+                <a:spcPct val="0"/>
+              </a:spcBef>
+              <a:spcAft>
+                <a:spcPct val="0"/>
+              </a:spcAft>
+              <a:buClrTx/>
+              <a:buSzTx/>
+              <a:buFontTx/>
+              <a:buNone/>
+              <a:tabLst/>
+            </a:pPr>
+            <a:r>
+              <a:rPr lang="en-US" altLang="en-US" sz="2000" dirty="0">
+                <a:solidFill>
+                  <a:srgbClr val="000000"/>
+                </a:solidFill>
+                <a:latin typeface="Adobe Devanagari" panose="02040503050201020203" pitchFamily="18" charset="0"/>
+                <a:cs typeface="Adobe Devanagari" panose="02040503050201020203" pitchFamily="18" charset="0"/>
+              </a:rPr>
+              <a:t>  </a:t>
+            </a:r>
+            <a:r>
+              <a:rPr kumimoji="0" lang="en-US" altLang="en-US" sz="2000" b="0" i="0" u="none" strike="noStrike" cap="none" normalizeH="0" baseline="0" dirty="0">
+                <a:ln>
+                  <a:noFill/>
+                </a:ln>
+                <a:solidFill>
+                  <a:srgbClr val="000000"/>
+                </a:solidFill>
+                <a:effectLst/>
+                <a:latin typeface="Adobe Devanagari" panose="02040503050201020203" pitchFamily="18" charset="0"/>
+                <a:cs typeface="Adobe Devanagari" panose="02040503050201020203" pitchFamily="18" charset="0"/>
+              </a:rPr>
+              <a:t>455        67 </a:t>
+            </a:r>
+            <a:r>
+              <a:rPr kumimoji="0" lang="en-US" altLang="en-US" sz="2000" b="0" i="0" u="none" strike="noStrike" cap="none" normalizeH="0" baseline="0" dirty="0" err="1">
+                <a:ln>
+                  <a:noFill/>
+                </a:ln>
+                <a:solidFill>
+                  <a:srgbClr val="000000"/>
+                </a:solidFill>
+                <a:effectLst/>
+                <a:latin typeface="Adobe Devanagari" panose="02040503050201020203" pitchFamily="18" charset="0"/>
+                <a:cs typeface="Adobe Devanagari" panose="02040503050201020203" pitchFamily="18" charset="0"/>
+              </a:rPr>
+              <a:t>OktoberFiesta</a:t>
+            </a:r>
+            <a:r>
+              <a:rPr kumimoji="0" lang="en-US" altLang="en-US" sz="2000" b="0" i="0" u="none" strike="noStrike" cap="none" normalizeH="0" baseline="0" dirty="0">
+                <a:ln>
+                  <a:noFill/>
+                </a:ln>
+                <a:solidFill>
+                  <a:srgbClr val="000000"/>
+                </a:solidFill>
+                <a:effectLst/>
+                <a:latin typeface="Adobe Devanagari" panose="02040503050201020203" pitchFamily="18" charset="0"/>
+                <a:cs typeface="Adobe Devanagari" panose="02040503050201020203" pitchFamily="18" charset="0"/>
+              </a:rPr>
+              <a:t>                            2527     0.053     27   &lt;NA&gt;   12 </a:t>
+            </a:r>
+          </a:p>
+          <a:p>
+            <a:pPr marL="0" marR="0" lvl="0" indent="0" algn="l" defTabSz="914400" rtl="0" eaLnBrk="0" fontAlgn="base" latinLnBrk="0" hangingPunct="0">
+              <a:lnSpc>
+                <a:spcPct val="100000"/>
+              </a:lnSpc>
+              <a:spcBef>
+                <a:spcPct val="0"/>
+              </a:spcBef>
+              <a:spcAft>
+                <a:spcPct val="0"/>
+              </a:spcAft>
+              <a:buClrTx/>
+              <a:buSzTx/>
+              <a:buFontTx/>
+              <a:buNone/>
+              <a:tabLst/>
+            </a:pPr>
+            <a:r>
+              <a:rPr lang="en-US" altLang="en-US" sz="2000" dirty="0">
+                <a:solidFill>
+                  <a:srgbClr val="000000"/>
+                </a:solidFill>
+                <a:latin typeface="Adobe Devanagari" panose="02040503050201020203" pitchFamily="18" charset="0"/>
+                <a:cs typeface="Adobe Devanagari" panose="02040503050201020203" pitchFamily="18" charset="0"/>
+              </a:rPr>
+              <a:t>  </a:t>
+            </a:r>
+            <a:r>
+              <a:rPr kumimoji="0" lang="en-US" altLang="en-US" sz="2000" b="0" i="0" u="none" strike="noStrike" cap="none" normalizeH="0" baseline="0" dirty="0">
+                <a:ln>
+                  <a:noFill/>
+                </a:ln>
+                <a:solidFill>
+                  <a:srgbClr val="000000"/>
+                </a:solidFill>
+                <a:effectLst/>
+                <a:latin typeface="Adobe Devanagari" panose="02040503050201020203" pitchFamily="18" charset="0"/>
+                <a:cs typeface="Adobe Devanagari" panose="02040503050201020203" pitchFamily="18" charset="0"/>
+              </a:rPr>
+              <a:t>946      161 Kilt Lifter Scottish-Style Ale 1635      0.060     21   &lt;NA&gt;   12 </a:t>
+            </a:r>
+          </a:p>
+          <a:p>
+            <a:pPr marL="0" marR="0" lvl="0" indent="0" algn="l" defTabSz="914400" rtl="0" eaLnBrk="0" fontAlgn="base" latinLnBrk="0" hangingPunct="0">
+              <a:lnSpc>
+                <a:spcPct val="100000"/>
+              </a:lnSpc>
+              <a:spcBef>
+                <a:spcPct val="0"/>
+              </a:spcBef>
+              <a:spcAft>
+                <a:spcPct val="0"/>
+              </a:spcAft>
+              <a:buClrTx/>
+              <a:buSzTx/>
+              <a:buFontTx/>
+              <a:buNone/>
+              <a:tabLst/>
+            </a:pPr>
+            <a:r>
+              <a:rPr lang="en-US" altLang="en-US" sz="2000" dirty="0">
+                <a:solidFill>
+                  <a:srgbClr val="000000"/>
+                </a:solidFill>
+                <a:latin typeface="Adobe Devanagari" panose="02040503050201020203" pitchFamily="18" charset="0"/>
+                <a:cs typeface="Adobe Devanagari" panose="02040503050201020203" pitchFamily="18" charset="0"/>
+              </a:rPr>
+              <a:t>  </a:t>
+            </a:r>
+            <a:r>
+              <a:rPr kumimoji="0" lang="en-US" altLang="en-US" sz="2000" b="0" i="0" u="none" strike="noStrike" cap="none" normalizeH="0" baseline="0" dirty="0">
+                <a:ln>
+                  <a:noFill/>
+                </a:ln>
+                <a:solidFill>
+                  <a:srgbClr val="000000"/>
+                </a:solidFill>
+                <a:effectLst/>
+                <a:latin typeface="Adobe Devanagari" panose="02040503050201020203" pitchFamily="18" charset="0"/>
+                <a:cs typeface="Adobe Devanagari" panose="02040503050201020203" pitchFamily="18" charset="0"/>
+              </a:rPr>
+              <a:t>992      167 The </a:t>
+            </a:r>
+            <a:r>
+              <a:rPr kumimoji="0" lang="en-US" altLang="en-US" sz="2000" b="0" i="0" u="none" strike="noStrike" cap="none" normalizeH="0" baseline="0" dirty="0" err="1">
+                <a:ln>
+                  <a:noFill/>
+                </a:ln>
+                <a:solidFill>
+                  <a:srgbClr val="000000"/>
+                </a:solidFill>
+                <a:effectLst/>
+                <a:latin typeface="Adobe Devanagari" panose="02040503050201020203" pitchFamily="18" charset="0"/>
+                <a:cs typeface="Adobe Devanagari" panose="02040503050201020203" pitchFamily="18" charset="0"/>
+              </a:rPr>
+              <a:t>CROWLERâ</a:t>
+            </a:r>
+            <a:r>
+              <a:rPr kumimoji="0" lang="en-US" altLang="en-US" sz="2000" b="0" i="0" u="none" strike="noStrike" cap="none" normalizeH="0" baseline="0" dirty="0">
+                <a:ln>
+                  <a:noFill/>
+                </a:ln>
+                <a:solidFill>
+                  <a:srgbClr val="000000"/>
+                </a:solidFill>
+                <a:effectLst/>
+                <a:latin typeface="Adobe Devanagari" panose="02040503050201020203" pitchFamily="18" charset="0"/>
+                <a:cs typeface="Adobe Devanagari" panose="02040503050201020203" pitchFamily="18" charset="0"/>
+              </a:rPr>
+              <a:t>„¢                 1796        NA     </a:t>
+            </a:r>
+            <a:r>
+              <a:rPr kumimoji="0" lang="en-US" altLang="en-US" sz="2000" b="0" i="0" u="none" strike="noStrike" cap="none" normalizeH="0" baseline="0" dirty="0" err="1">
+                <a:ln>
+                  <a:noFill/>
+                </a:ln>
+                <a:solidFill>
+                  <a:srgbClr val="000000"/>
+                </a:solidFill>
+                <a:effectLst/>
+                <a:latin typeface="Adobe Devanagari" panose="02040503050201020203" pitchFamily="18" charset="0"/>
+                <a:cs typeface="Adobe Devanagari" panose="02040503050201020203" pitchFamily="18" charset="0"/>
+              </a:rPr>
+              <a:t>NA</a:t>
+            </a:r>
+            <a:r>
+              <a:rPr kumimoji="0" lang="en-US" altLang="en-US" sz="2000" b="0" i="0" u="none" strike="noStrike" cap="none" normalizeH="0" baseline="0" dirty="0">
+                <a:ln>
+                  <a:noFill/>
+                </a:ln>
+                <a:solidFill>
+                  <a:srgbClr val="000000"/>
+                </a:solidFill>
+                <a:effectLst/>
+                <a:latin typeface="Adobe Devanagari" panose="02040503050201020203" pitchFamily="18" charset="0"/>
+                <a:cs typeface="Adobe Devanagari" panose="02040503050201020203" pitchFamily="18" charset="0"/>
+              </a:rPr>
+              <a:t> &lt;NA&gt;    32 </a:t>
+            </a:r>
+          </a:p>
+          <a:p>
+            <a:pPr marL="0" marR="0" lvl="0" indent="0" algn="l" defTabSz="914400" rtl="0" eaLnBrk="0" fontAlgn="base" latinLnBrk="0" hangingPunct="0">
+              <a:lnSpc>
+                <a:spcPct val="100000"/>
+              </a:lnSpc>
+              <a:spcBef>
+                <a:spcPct val="0"/>
+              </a:spcBef>
+              <a:spcAft>
+                <a:spcPct val="0"/>
+              </a:spcAft>
+              <a:buClrTx/>
+              <a:buSzTx/>
+              <a:buFontTx/>
+              <a:buNone/>
+              <a:tabLst/>
+            </a:pPr>
+            <a:r>
+              <a:rPr lang="en-US" altLang="en-US" sz="2000" dirty="0">
+                <a:solidFill>
+                  <a:srgbClr val="000000"/>
+                </a:solidFill>
+                <a:latin typeface="Adobe Devanagari" panose="02040503050201020203" pitchFamily="18" charset="0"/>
+                <a:cs typeface="Adobe Devanagari" panose="02040503050201020203" pitchFamily="18" charset="0"/>
+              </a:rPr>
+              <a:t>  </a:t>
+            </a:r>
+            <a:r>
+              <a:rPr kumimoji="0" lang="en-US" altLang="en-US" sz="2000" b="0" i="0" u="none" strike="noStrike" cap="none" normalizeH="0" baseline="0" dirty="0">
+                <a:ln>
+                  <a:noFill/>
+                </a:ln>
+                <a:solidFill>
+                  <a:srgbClr val="000000"/>
+                </a:solidFill>
+                <a:effectLst/>
+                <a:latin typeface="Adobe Devanagari" panose="02040503050201020203" pitchFamily="18" charset="0"/>
+                <a:cs typeface="Adobe Devanagari" panose="02040503050201020203" pitchFamily="18" charset="0"/>
+              </a:rPr>
+              <a:t>993      167 CAN'D AID Foundation       1790         NA    </a:t>
+            </a:r>
+            <a:r>
+              <a:rPr kumimoji="0" lang="en-US" altLang="en-US" sz="2000" b="0" i="0" u="none" strike="noStrike" cap="none" normalizeH="0" baseline="0" dirty="0" err="1">
+                <a:ln>
+                  <a:noFill/>
+                </a:ln>
+                <a:solidFill>
+                  <a:srgbClr val="000000"/>
+                </a:solidFill>
+                <a:effectLst/>
+                <a:latin typeface="Adobe Devanagari" panose="02040503050201020203" pitchFamily="18" charset="0"/>
+                <a:cs typeface="Adobe Devanagari" panose="02040503050201020203" pitchFamily="18" charset="0"/>
+              </a:rPr>
+              <a:t>NA</a:t>
+            </a:r>
+            <a:r>
+              <a:rPr kumimoji="0" lang="en-US" altLang="en-US" sz="2000" b="0" i="0" u="none" strike="noStrike" cap="none" normalizeH="0" baseline="0" dirty="0">
+                <a:ln>
+                  <a:noFill/>
+                </a:ln>
+                <a:solidFill>
+                  <a:srgbClr val="000000"/>
+                </a:solidFill>
+                <a:effectLst/>
+                <a:latin typeface="Adobe Devanagari" panose="02040503050201020203" pitchFamily="18" charset="0"/>
+                <a:cs typeface="Adobe Devanagari" panose="02040503050201020203" pitchFamily="18" charset="0"/>
+              </a:rPr>
+              <a:t> &lt;NA&gt;     12</a:t>
+            </a:r>
+            <a:endParaRPr kumimoji="0" lang="en-US" altLang="en-US" sz="1800" b="0" i="0" u="none" strike="noStrike" cap="none" normalizeH="0" baseline="0" dirty="0">
+              <a:ln>
+                <a:noFill/>
+              </a:ln>
+              <a:solidFill>
+                <a:schemeClr val="tx1"/>
+              </a:solidFill>
+              <a:effectLst/>
+              <a:latin typeface="Arial" panose="020B0604020202020204" pitchFamily="34" charset="0"/>
+            </a:endParaRPr>
+          </a:p>
+        </p:txBody>
+      </p:sp>
+    </p:spTree>
+    <p:extLst>
+      <p:ext uri="{BB962C8B-B14F-4D97-AF65-F5344CB8AC3E}">
+        <p14:creationId xmlns:p14="http://schemas.microsoft.com/office/powerpoint/2010/main" val="1661289168"/>
+      </p:ext>
+    </p:extLst>
+  </p:cSld>
+  <p:clrMapOvr>
+    <a:masterClrMapping/>
+  </p:clrMapOvr>
+</p:sld>
+</file>
+
+<file path=ppt/slides/slide14.xml><?xml version="1.0" encoding="utf-8"?>
+<p:sld xmlns:a="http://schemas.openxmlformats.org/drawingml/2006/main" xmlns:r="http://schemas.openxmlformats.org/officeDocument/2006/relationships" xmlns:p="http://schemas.openxmlformats.org/presentationml/2006/main">
+  <p:cSld>
+    <p:spTree>
+      <p:nvGrpSpPr>
+        <p:cNvPr id="1" name=""/>
+        <p:cNvGrpSpPr/>
+        <p:nvPr/>
+      </p:nvGrpSpPr>
+      <p:grpSpPr>
+        <a:xfrm>
+          <a:off x="0" y="0"/>
+          <a:ext cx="0" cy="0"/>
+          <a:chOff x="0" y="0"/>
+          <a:chExt cx="0" cy="0"/>
+        </a:xfrm>
+      </p:grpSpPr>
+      <p:pic>
+        <p:nvPicPr>
+          <p:cNvPr id="2" name="Picture 1">
+            <a:extLst>
+              <a:ext uri="{FF2B5EF4-FFF2-40B4-BE49-F238E27FC236}">
+                <a16:creationId xmlns:a16="http://schemas.microsoft.com/office/drawing/2014/main" id="{A73BA311-359E-43A8-95C7-9355CE26A89F}"/>
+              </a:ext>
+            </a:extLst>
+          </p:cNvPr>
+          <p:cNvPicPr>
+            <a:picLocks noChangeAspect="1"/>
+          </p:cNvPicPr>
+          <p:nvPr/>
+        </p:nvPicPr>
+        <p:blipFill>
+          <a:blip r:embed="rId2"/>
+          <a:stretch>
+            <a:fillRect/>
+          </a:stretch>
+        </p:blipFill>
+        <p:spPr>
+          <a:xfrm>
+            <a:off x="127746" y="781051"/>
+            <a:ext cx="11936507" cy="3809524"/>
+          </a:xfrm>
+          <a:prstGeom prst="rect">
+            <a:avLst/>
+          </a:prstGeom>
+        </p:spPr>
+      </p:pic>
+    </p:spTree>
+    <p:extLst>
+      <p:ext uri="{BB962C8B-B14F-4D97-AF65-F5344CB8AC3E}">
+        <p14:creationId xmlns:p14="http://schemas.microsoft.com/office/powerpoint/2010/main" val="3371755907"/>
+      </p:ext>
+    </p:extLst>
+  </p:cSld>
+  <p:clrMapOvr>
+    <a:masterClrMapping/>
+  </p:clrMapOvr>
+</p:sld>
+</file>
+
+<file path=ppt/slides/slide15.xml><?xml version="1.0" encoding="utf-8"?>
+<p:sld xmlns:a="http://schemas.openxmlformats.org/drawingml/2006/main" xmlns:r="http://schemas.openxmlformats.org/officeDocument/2006/relationships" xmlns:p="http://schemas.openxmlformats.org/presentationml/2006/main">
+  <p:cSld>
+    <p:spTree>
+      <p:nvGrpSpPr>
+        <p:cNvPr id="1" name=""/>
+        <p:cNvGrpSpPr/>
+        <p:nvPr/>
+      </p:nvGrpSpPr>
+      <p:grpSpPr>
+        <a:xfrm>
+          <a:off x="0" y="0"/>
+          <a:ext cx="0" cy="0"/>
+          <a:chOff x="0" y="0"/>
+          <a:chExt cx="0" cy="0"/>
+        </a:xfrm>
+      </p:grpSpPr>
+      <p:sp>
+        <p:nvSpPr>
+          <p:cNvPr id="2" name="Title 1">
+            <a:extLst>
+              <a:ext uri="{FF2B5EF4-FFF2-40B4-BE49-F238E27FC236}">
+                <a16:creationId xmlns:a16="http://schemas.microsoft.com/office/drawing/2014/main" id="{5FC3E2BE-11FC-45C6-A504-F3FC1ADF9D31}"/>
+              </a:ext>
+            </a:extLst>
+          </p:cNvPr>
+          <p:cNvSpPr>
+            <a:spLocks noGrp="1"/>
+          </p:cNvSpPr>
+          <p:nvPr>
+            <p:ph type="title"/>
+          </p:nvPr>
+        </p:nvSpPr>
+        <p:spPr>
+          <a:xfrm>
+            <a:off x="647700" y="317500"/>
+            <a:ext cx="10515600" cy="1325563"/>
+          </a:xfrm>
+        </p:spPr>
+        <p:txBody>
+          <a:bodyPr/>
+          <a:lstStyle/>
+          <a:p>
+            <a:r>
+              <a:rPr lang="en-US" dirty="0"/>
+              <a:t>ABV by Beer Classification (Style)</a:t>
+            </a:r>
+          </a:p>
+        </p:txBody>
+      </p:sp>
+      <p:pic>
+        <p:nvPicPr>
+          <p:cNvPr id="5" name="Picture 4">
+            <a:extLst>
+              <a:ext uri="{FF2B5EF4-FFF2-40B4-BE49-F238E27FC236}">
+                <a16:creationId xmlns:a16="http://schemas.microsoft.com/office/drawing/2014/main" id="{C7811F4A-BD2A-41AE-B0E6-3C234BE174ED}"/>
+              </a:ext>
+            </a:extLst>
+          </p:cNvPr>
+          <p:cNvPicPr>
+            <a:picLocks noChangeAspect="1"/>
+          </p:cNvPicPr>
+          <p:nvPr/>
+        </p:nvPicPr>
+        <p:blipFill>
+          <a:blip r:embed="rId2"/>
+          <a:stretch>
+            <a:fillRect/>
+          </a:stretch>
+        </p:blipFill>
+        <p:spPr>
+          <a:xfrm>
+            <a:off x="127746" y="1343025"/>
+            <a:ext cx="11936507" cy="4905376"/>
+          </a:xfrm>
+          <a:prstGeom prst="rect">
+            <a:avLst/>
+          </a:prstGeom>
+        </p:spPr>
+      </p:pic>
+    </p:spTree>
+    <p:extLst>
+      <p:ext uri="{BB962C8B-B14F-4D97-AF65-F5344CB8AC3E}">
+        <p14:creationId xmlns:p14="http://schemas.microsoft.com/office/powerpoint/2010/main" val="3382855719"/>
+      </p:ext>
+    </p:extLst>
+  </p:cSld>
+  <p:clrMapOvr>
+    <a:masterClrMapping/>
+  </p:clrMapOvr>
+</p:sld>
+</file>
+
+<file path=ppt/slides/slide16.xml><?xml version="1.0" encoding="utf-8"?>
+<p:sld xmlns:a="http://schemas.openxmlformats.org/drawingml/2006/main" xmlns:r="http://schemas.openxmlformats.org/officeDocument/2006/relationships" xmlns:p="http://schemas.openxmlformats.org/presentationml/2006/main">
+  <p:cSld>
+    <p:spTree>
+      <p:nvGrpSpPr>
+        <p:cNvPr id="1" name=""/>
+        <p:cNvGrpSpPr/>
+        <p:nvPr/>
+      </p:nvGrpSpPr>
+      <p:grpSpPr>
+        <a:xfrm>
+          <a:off x="0" y="0"/>
+          <a:ext cx="0" cy="0"/>
+          <a:chOff x="0" y="0"/>
+          <a:chExt cx="0" cy="0"/>
+        </a:xfrm>
+      </p:grpSpPr>
+      <p:sp>
+        <p:nvSpPr>
+          <p:cNvPr id="2" name="Title 1">
+            <a:extLst>
+              <a:ext uri="{FF2B5EF4-FFF2-40B4-BE49-F238E27FC236}">
+                <a16:creationId xmlns:a16="http://schemas.microsoft.com/office/drawing/2014/main" id="{BE7C25A4-E941-4E4A-8893-F8CCDA063E93}"/>
+              </a:ext>
+            </a:extLst>
+          </p:cNvPr>
+          <p:cNvSpPr>
+            <a:spLocks noGrp="1"/>
+          </p:cNvSpPr>
+          <p:nvPr>
+            <p:ph type="title"/>
+          </p:nvPr>
+        </p:nvSpPr>
+        <p:spPr/>
+        <p:txBody>
+          <a:bodyPr/>
+          <a:lstStyle/>
+          <a:p>
+            <a:r>
+              <a:rPr lang="en-US" dirty="0"/>
+              <a:t>IBU by Beer Classification (Style)</a:t>
+            </a:r>
+          </a:p>
+        </p:txBody>
+      </p:sp>
+      <p:pic>
+        <p:nvPicPr>
+          <p:cNvPr id="4" name="Content Placeholder 3">
+            <a:extLst>
+              <a:ext uri="{FF2B5EF4-FFF2-40B4-BE49-F238E27FC236}">
+                <a16:creationId xmlns:a16="http://schemas.microsoft.com/office/drawing/2014/main" id="{2FE0E0D3-7A38-4980-83DD-9FD0135FDA44}"/>
+              </a:ext>
+            </a:extLst>
+          </p:cNvPr>
+          <p:cNvPicPr>
+            <a:picLocks noGrp="1" noChangeAspect="1"/>
+          </p:cNvPicPr>
+          <p:nvPr>
+            <p:ph idx="1"/>
+          </p:nvPr>
+        </p:nvPicPr>
+        <p:blipFill>
+          <a:blip r:embed="rId2"/>
+          <a:stretch>
+            <a:fillRect/>
+          </a:stretch>
+        </p:blipFill>
+        <p:spPr>
+          <a:xfrm>
+            <a:off x="219075" y="1571625"/>
+            <a:ext cx="11552608" cy="4267199"/>
+          </a:xfrm>
+          <a:prstGeom prst="rect">
+            <a:avLst/>
+          </a:prstGeom>
+        </p:spPr>
+      </p:pic>
+    </p:spTree>
+    <p:extLst>
+      <p:ext uri="{BB962C8B-B14F-4D97-AF65-F5344CB8AC3E}">
+        <p14:creationId xmlns:p14="http://schemas.microsoft.com/office/powerpoint/2010/main" val="667029405"/>
       </p:ext>
     </p:extLst>
   </p:cSld>
@@ -5954,21 +7504,7 @@
                 <a:latin typeface="Adobe Devanagari" panose="02040503050201020203" pitchFamily="18" charset="0"/>
                 <a:cs typeface="Adobe Devanagari" panose="02040503050201020203" pitchFamily="18" charset="0"/>
               </a:rPr>
-              <a:t>Only data that required the comparison of ABV to IBU had observations with the value of &lt;</a:t>
-            </a:r>
-            <a:r>
-              <a:rPr lang="en-US" sz="2600">
-                <a:latin typeface="Adobe Devanagari" panose="02040503050201020203" pitchFamily="18" charset="0"/>
-                <a:cs typeface="Adobe Devanagari" panose="02040503050201020203" pitchFamily="18" charset="0"/>
-              </a:rPr>
-              <a:t>NA&gt; </a:t>
-            </a:r>
-            <a:r>
-              <a:rPr lang="en-US" sz="2600" dirty="0">
-                <a:latin typeface="Adobe Devanagari" panose="02040503050201020203" pitchFamily="18" charset="0"/>
-                <a:cs typeface="Adobe Devanagari" panose="02040503050201020203" pitchFamily="18" charset="0"/>
-              </a:rPr>
-              <a:t>were dropped </a:t>
+              <a:t>Only data that required the comparison of ABV to IBU had observations with the value of &lt;NA&gt; for those values were dropped </a:t>
             </a:r>
           </a:p>
           <a:p>
